--- a/EsgPrez.pptx
+++ b/EsgPrez.pptx
@@ -7,10 +7,9 @@
   <p:sldIdLst>
     <p:sldId id="257" r:id="rId2"/>
     <p:sldId id="256" r:id="rId3"/>
-    <p:sldId id="258" r:id="rId4"/>
-    <p:sldId id="259" r:id="rId5"/>
-    <p:sldId id="260" r:id="rId6"/>
-    <p:sldId id="261" r:id="rId7"/>
+    <p:sldId id="262" r:id="rId4"/>
+    <p:sldId id="258" r:id="rId5"/>
+    <p:sldId id="259" r:id="rId6"/>
   </p:sldIdLst>
   <p:sldSz cx="12192000" cy="6858000"/>
   <p:notesSz cx="6858000" cy="9144000"/>
@@ -109,6 +108,11 @@
       </a:defRPr>
     </a:lvl9pPr>
   </p:defaultTextStyle>
+  <p:extLst>
+    <p:ext uri="{EFAFB233-063F-42B5-8137-9DF3F51BA10A}">
+      <p15:sldGuideLst xmlns:p15="http://schemas.microsoft.com/office/powerpoint/2012/main"/>
+    </p:ext>
+  </p:extLst>
 </p:presentation>
 </file>
 
@@ -261,7 +265,7 @@
           <a:p>
             <a:fld id="{CD6DDE97-F17F-4554-AE37-0B433544C7CD}" type="datetimeFigureOut">
               <a:rPr lang="en-IN" smtClean="0"/>
-              <a:t>25-03-2023</a:t>
+              <a:t>27-03-2023</a:t>
             </a:fld>
             <a:endParaRPr lang="en-IN"/>
           </a:p>
@@ -461,7 +465,7 @@
           <a:p>
             <a:fld id="{CD6DDE97-F17F-4554-AE37-0B433544C7CD}" type="datetimeFigureOut">
               <a:rPr lang="en-IN" smtClean="0"/>
-              <a:t>25-03-2023</a:t>
+              <a:t>27-03-2023</a:t>
             </a:fld>
             <a:endParaRPr lang="en-IN"/>
           </a:p>
@@ -671,7 +675,7 @@
           <a:p>
             <a:fld id="{CD6DDE97-F17F-4554-AE37-0B433544C7CD}" type="datetimeFigureOut">
               <a:rPr lang="en-IN" smtClean="0"/>
-              <a:t>25-03-2023</a:t>
+              <a:t>27-03-2023</a:t>
             </a:fld>
             <a:endParaRPr lang="en-IN"/>
           </a:p>
@@ -871,7 +875,7 @@
           <a:p>
             <a:fld id="{CD6DDE97-F17F-4554-AE37-0B433544C7CD}" type="datetimeFigureOut">
               <a:rPr lang="en-IN" smtClean="0"/>
-              <a:t>25-03-2023</a:t>
+              <a:t>27-03-2023</a:t>
             </a:fld>
             <a:endParaRPr lang="en-IN"/>
           </a:p>
@@ -1147,7 +1151,7 @@
           <a:p>
             <a:fld id="{CD6DDE97-F17F-4554-AE37-0B433544C7CD}" type="datetimeFigureOut">
               <a:rPr lang="en-IN" smtClean="0"/>
-              <a:t>25-03-2023</a:t>
+              <a:t>27-03-2023</a:t>
             </a:fld>
             <a:endParaRPr lang="en-IN"/>
           </a:p>
@@ -1415,7 +1419,7 @@
           <a:p>
             <a:fld id="{CD6DDE97-F17F-4554-AE37-0B433544C7CD}" type="datetimeFigureOut">
               <a:rPr lang="en-IN" smtClean="0"/>
-              <a:t>25-03-2023</a:t>
+              <a:t>27-03-2023</a:t>
             </a:fld>
             <a:endParaRPr lang="en-IN"/>
           </a:p>
@@ -1830,7 +1834,7 @@
           <a:p>
             <a:fld id="{CD6DDE97-F17F-4554-AE37-0B433544C7CD}" type="datetimeFigureOut">
               <a:rPr lang="en-IN" smtClean="0"/>
-              <a:t>25-03-2023</a:t>
+              <a:t>27-03-2023</a:t>
             </a:fld>
             <a:endParaRPr lang="en-IN"/>
           </a:p>
@@ -1972,7 +1976,7 @@
           <a:p>
             <a:fld id="{CD6DDE97-F17F-4554-AE37-0B433544C7CD}" type="datetimeFigureOut">
               <a:rPr lang="en-IN" smtClean="0"/>
-              <a:t>25-03-2023</a:t>
+              <a:t>27-03-2023</a:t>
             </a:fld>
             <a:endParaRPr lang="en-IN"/>
           </a:p>
@@ -2085,7 +2089,7 @@
           <a:p>
             <a:fld id="{CD6DDE97-F17F-4554-AE37-0B433544C7CD}" type="datetimeFigureOut">
               <a:rPr lang="en-IN" smtClean="0"/>
-              <a:t>25-03-2023</a:t>
+              <a:t>27-03-2023</a:t>
             </a:fld>
             <a:endParaRPr lang="en-IN"/>
           </a:p>
@@ -2398,7 +2402,7 @@
           <a:p>
             <a:fld id="{CD6DDE97-F17F-4554-AE37-0B433544C7CD}" type="datetimeFigureOut">
               <a:rPr lang="en-IN" smtClean="0"/>
-              <a:t>25-03-2023</a:t>
+              <a:t>27-03-2023</a:t>
             </a:fld>
             <a:endParaRPr lang="en-IN"/>
           </a:p>
@@ -2687,7 +2691,7 @@
           <a:p>
             <a:fld id="{CD6DDE97-F17F-4554-AE37-0B433544C7CD}" type="datetimeFigureOut">
               <a:rPr lang="en-IN" smtClean="0"/>
-              <a:t>25-03-2023</a:t>
+              <a:t>27-03-2023</a:t>
             </a:fld>
             <a:endParaRPr lang="en-IN"/>
           </a:p>
@@ -2766,9 +2770,9 @@
     <p:bg>
       <p:bgPr>
         <a:solidFill>
-          <a:schemeClr val="accent6">
-            <a:lumMod val="40000"/>
-            <a:lumOff val="60000"/>
+          <a:schemeClr val="accent3">
+            <a:lumMod val="20000"/>
+            <a:lumOff val="80000"/>
           </a:schemeClr>
         </a:solidFill>
         <a:effectLst/>
@@ -2936,7 +2940,7 @@
           <a:p>
             <a:fld id="{CD6DDE97-F17F-4554-AE37-0B433544C7CD}" type="datetimeFigureOut">
               <a:rPr lang="en-IN" smtClean="0"/>
-              <a:t>25-03-2023</a:t>
+              <a:t>27-03-2023</a:t>
             </a:fld>
             <a:endParaRPr lang="en-IN"/>
           </a:p>
@@ -3384,8 +3388,8 @@
         </p:blipFill>
         <p:spPr>
           <a:xfrm>
-            <a:off x="993789" y="773639"/>
-            <a:ext cx="10960726" cy="5593153"/>
+            <a:off x="1754374" y="1493684"/>
+            <a:ext cx="10249786" cy="5230367"/>
           </a:xfrm>
           <a:prstGeom prst="rect">
             <a:avLst/>
@@ -3406,8 +3410,8 @@
         </p:nvGrpSpPr>
         <p:grpSpPr>
           <a:xfrm>
-            <a:off x="7391400" y="773639"/>
-            <a:ext cx="1099127" cy="958587"/>
+            <a:off x="8199475" y="1517918"/>
+            <a:ext cx="1023401" cy="886371"/>
             <a:chOff x="4827361" y="968857"/>
             <a:chExt cx="1820800" cy="1575206"/>
           </a:xfrm>
@@ -3595,8 +3599,8 @@
         </p:nvGrpSpPr>
         <p:grpSpPr>
           <a:xfrm>
-            <a:off x="6659419" y="1780200"/>
-            <a:ext cx="1099127" cy="958588"/>
+            <a:off x="7467494" y="2524479"/>
+            <a:ext cx="1023401" cy="886372"/>
             <a:chOff x="4827361" y="2873519"/>
             <a:chExt cx="1820800" cy="1575206"/>
           </a:xfrm>
@@ -3784,8 +3788,8 @@
         </p:nvGrpSpPr>
         <p:grpSpPr>
           <a:xfrm>
-            <a:off x="1736436" y="3632865"/>
-            <a:ext cx="1092569" cy="1026334"/>
+            <a:off x="2544512" y="4377144"/>
+            <a:ext cx="1017294" cy="949014"/>
             <a:chOff x="4827361" y="2873519"/>
             <a:chExt cx="1820800" cy="1575206"/>
           </a:xfrm>
@@ -3973,8 +3977,8 @@
         </p:nvGrpSpPr>
         <p:grpSpPr>
           <a:xfrm>
-            <a:off x="2977150" y="3429000"/>
-            <a:ext cx="1165904" cy="1101751"/>
+            <a:off x="3785225" y="4173279"/>
+            <a:ext cx="1085577" cy="1018749"/>
             <a:chOff x="4090977" y="2873519"/>
             <a:chExt cx="1820788" cy="1575206"/>
           </a:xfrm>
@@ -4162,8 +4166,8 @@
         </p:nvGrpSpPr>
         <p:grpSpPr>
           <a:xfrm>
-            <a:off x="4256882" y="2964425"/>
-            <a:ext cx="1231560" cy="1101751"/>
+            <a:off x="5064957" y="3708704"/>
+            <a:ext cx="1146709" cy="1018749"/>
             <a:chOff x="4096851" y="0"/>
             <a:chExt cx="2217249" cy="1918208"/>
           </a:xfrm>
@@ -4351,8 +4355,8 @@
         </p:nvSpPr>
         <p:spPr>
           <a:xfrm>
-            <a:off x="1656659" y="3076098"/>
-            <a:ext cx="735865" cy="523220"/>
+            <a:off x="2847428" y="3956468"/>
+            <a:ext cx="685166" cy="523220"/>
           </a:xfrm>
           <a:prstGeom prst="rect">
             <a:avLst/>
@@ -4373,10 +4377,6 @@
               </a:rPr>
               <a:t>G</a:t>
             </a:r>
-            <a:r>
-              <a:rPr lang="en-IN" sz="1100" dirty="0"/>
-              <a:t>aurav</a:t>
-            </a:r>
             <a:endParaRPr lang="en-IN" sz="800" dirty="0"/>
           </a:p>
         </p:txBody>
@@ -4395,8 +4395,8 @@
         </p:nvSpPr>
         <p:spPr>
           <a:xfrm>
-            <a:off x="3121038" y="2814488"/>
-            <a:ext cx="644624" cy="523220"/>
+            <a:off x="4099448" y="3694858"/>
+            <a:ext cx="600211" cy="523220"/>
           </a:xfrm>
           <a:prstGeom prst="rect">
             <a:avLst/>
@@ -4417,10 +4417,7 @@
               </a:rPr>
               <a:t>R</a:t>
             </a:r>
-            <a:r>
-              <a:rPr lang="en-IN" sz="1100" dirty="0"/>
-              <a:t>ama</a:t>
-            </a:r>
+            <a:endParaRPr lang="en-IN" sz="1100" dirty="0"/>
           </a:p>
         </p:txBody>
       </p:sp>
@@ -4438,8 +4435,8 @@
         </p:nvSpPr>
         <p:spPr>
           <a:xfrm>
-            <a:off x="4190512" y="2436558"/>
-            <a:ext cx="717574" cy="523220"/>
+            <a:off x="5427865" y="3280846"/>
+            <a:ext cx="668135" cy="523220"/>
           </a:xfrm>
           <a:prstGeom prst="rect">
             <a:avLst/>
@@ -4460,10 +4457,7 @@
               </a:rPr>
               <a:t>A</a:t>
             </a:r>
-            <a:r>
-              <a:rPr lang="en-IN" sz="1100" dirty="0"/>
-              <a:t>nand</a:t>
-            </a:r>
+            <a:endParaRPr lang="en-IN" sz="1100" dirty="0"/>
           </a:p>
         </p:txBody>
       </p:sp>
@@ -4481,8 +4475,8 @@
         </p:nvSpPr>
         <p:spPr>
           <a:xfrm>
-            <a:off x="5399759" y="1815422"/>
-            <a:ext cx="644624" cy="523220"/>
+            <a:off x="6866634" y="2773021"/>
+            <a:ext cx="600211" cy="523220"/>
           </a:xfrm>
           <a:prstGeom prst="rect">
             <a:avLst/>
@@ -4503,10 +4497,7 @@
               </a:rPr>
               <a:t>P</a:t>
             </a:r>
-            <a:r>
-              <a:rPr lang="en-IN" sz="1100" dirty="0"/>
-              <a:t>inaki</a:t>
-            </a:r>
+            <a:endParaRPr lang="en-IN" sz="1100" dirty="0"/>
           </a:p>
         </p:txBody>
       </p:sp>
@@ -4524,8 +4515,8 @@
         </p:nvSpPr>
         <p:spPr>
           <a:xfrm>
-            <a:off x="7118776" y="250419"/>
-            <a:ext cx="734830" cy="523220"/>
+            <a:off x="8490895" y="1095082"/>
+            <a:ext cx="684203" cy="523220"/>
           </a:xfrm>
           <a:prstGeom prst="rect">
             <a:avLst/>
@@ -4546,10 +4537,7 @@
               </a:rPr>
               <a:t>H</a:t>
             </a:r>
-            <a:r>
-              <a:rPr lang="en-IN" sz="1100" b="1" dirty="0"/>
-              <a:t>arsh</a:t>
-            </a:r>
+            <a:endParaRPr lang="en-IN" sz="1100" b="1" dirty="0"/>
           </a:p>
         </p:txBody>
       </p:sp>
@@ -4567,8 +4555,8 @@
         </p:nvSpPr>
         <p:spPr>
           <a:xfrm>
-            <a:off x="6474152" y="1259157"/>
-            <a:ext cx="734830" cy="523220"/>
+            <a:off x="7857373" y="1995788"/>
+            <a:ext cx="684203" cy="523220"/>
           </a:xfrm>
           <a:prstGeom prst="rect">
             <a:avLst/>
@@ -4589,10 +4577,7 @@
               </a:rPr>
               <a:t>P</a:t>
             </a:r>
-            <a:r>
-              <a:rPr lang="en-IN" sz="1100" dirty="0"/>
-              <a:t>aresh</a:t>
-            </a:r>
+            <a:endParaRPr lang="en-IN" sz="1100" dirty="0"/>
           </a:p>
         </p:txBody>
       </p:sp>
@@ -4610,8 +4595,8 @@
         </p:nvGrpSpPr>
         <p:grpSpPr>
           <a:xfrm>
-            <a:off x="5681657" y="2534508"/>
-            <a:ext cx="1103956" cy="958588"/>
+            <a:off x="6489732" y="3278787"/>
+            <a:ext cx="1027897" cy="886372"/>
             <a:chOff x="3637367" y="95"/>
             <a:chExt cx="1747506" cy="2008628"/>
           </a:xfrm>
@@ -4730,6 +4715,62 @@
           </p:txBody>
         </p:sp>
       </p:grpSp>
+      <p:sp>
+        <p:nvSpPr>
+          <p:cNvPr id="2" name="TextBox 1">
+            <a:extLst>
+              <a:ext uri="{FF2B5EF4-FFF2-40B4-BE49-F238E27FC236}">
+                <a16:creationId xmlns:a16="http://schemas.microsoft.com/office/drawing/2014/main" id="{8007D421-1F49-54C6-BF7A-4A5FD8EC6888}"/>
+              </a:ext>
+            </a:extLst>
+          </p:cNvPr>
+          <p:cNvSpPr txBox="1"/>
+          <p:nvPr/>
+        </p:nvSpPr>
+        <p:spPr>
+          <a:xfrm>
+            <a:off x="277981" y="1188886"/>
+            <a:ext cx="6509226" cy="523220"/>
+          </a:xfrm>
+          <a:prstGeom prst="rect">
+            <a:avLst/>
+          </a:prstGeom>
+          <a:noFill/>
+        </p:spPr>
+        <p:txBody>
+          <a:bodyPr wrap="square" rtlCol="0">
+            <a:spAutoFit/>
+          </a:bodyPr>
+          <a:lstStyle/>
+          <a:p>
+            <a:r>
+              <a:rPr lang="en-GB" sz="2800" b="1" dirty="0">
+                <a:solidFill>
+                  <a:srgbClr val="0070C0"/>
+                </a:solidFill>
+              </a:rPr>
+              <a:t>GRAPPHTE</a:t>
+            </a:r>
+            <a:r>
+              <a:rPr lang="en-GB" sz="2400" dirty="0"/>
+              <a:t> </a:t>
+            </a:r>
+            <a:r>
+              <a:rPr lang="en-GB" sz="2800" b="1" dirty="0">
+                <a:solidFill>
+                  <a:srgbClr val="0070C0"/>
+                </a:solidFill>
+              </a:rPr>
+              <a:t>Engine – ESG Portfolio Analyzer</a:t>
+            </a:r>
+            <a:endParaRPr lang="en-IN" sz="2800" b="1" dirty="0">
+              <a:solidFill>
+                <a:srgbClr val="0070C0"/>
+              </a:solidFill>
+            </a:endParaRPr>
+          </a:p>
+        </p:txBody>
+      </p:sp>
     </p:spTree>
     <p:extLst>
       <p:ext uri="{BB962C8B-B14F-4D97-AF65-F5344CB8AC3E}">
@@ -4762,148 +4803,10 @@
       </p:grpSpPr>
       <p:pic>
         <p:nvPicPr>
-          <p:cNvPr id="1026" name="Picture 2" descr="Yale Experts Explain The Paris Climate Agreement | Yale Sustainability">
-            <a:extLst>
-              <a:ext uri="{FF2B5EF4-FFF2-40B4-BE49-F238E27FC236}">
-                <a16:creationId xmlns:a16="http://schemas.microsoft.com/office/drawing/2014/main" id="{880A2A31-2904-1F50-585A-1F0A9FB03630}"/>
-              </a:ext>
-            </a:extLst>
-          </p:cNvPr>
-          <p:cNvPicPr>
-            <a:picLocks noChangeAspect="1" noChangeArrowheads="1"/>
-          </p:cNvPicPr>
-          <p:nvPr/>
-        </p:nvPicPr>
-        <p:blipFill>
-          <a:blip r:embed="rId2">
-            <a:extLst>
-              <a:ext uri="{28A0092B-C50C-407E-A947-70E740481C1C}">
-                <a14:useLocalDpi xmlns:a14="http://schemas.microsoft.com/office/drawing/2010/main" val="0"/>
-              </a:ext>
-            </a:extLst>
-          </a:blip>
-          <a:srcRect/>
-          <a:stretch>
-            <a:fillRect/>
-          </a:stretch>
-        </p:blipFill>
-        <p:spPr bwMode="auto">
-          <a:xfrm>
-            <a:off x="180423" y="235131"/>
-            <a:ext cx="5043428" cy="4704554"/>
-          </a:xfrm>
-          <a:prstGeom prst="rect">
-            <a:avLst/>
-          </a:prstGeom>
-          <a:noFill/>
-          <a:effectLst>
-            <a:glow rad="228600">
-              <a:schemeClr val="accent5">
-                <a:satMod val="175000"/>
-                <a:alpha val="40000"/>
-              </a:schemeClr>
-            </a:glow>
-          </a:effectLst>
-          <a:scene3d>
-            <a:camera prst="orthographicFront"/>
-            <a:lightRig rig="threePt" dir="t"/>
-          </a:scene3d>
-          <a:sp3d>
-            <a:bevelT/>
-            <a:bevelB w="152400" h="50800" prst="softRound"/>
-          </a:sp3d>
-          <a:extLst>
-            <a:ext uri="{909E8E84-426E-40DD-AFC4-6F175D3DCCD1}">
-              <a14:hiddenFill xmlns:a14="http://schemas.microsoft.com/office/drawing/2010/main">
-                <a:solidFill>
-                  <a:srgbClr val="FFFFFF"/>
-                </a:solidFill>
-              </a14:hiddenFill>
-            </a:ext>
-          </a:extLst>
-        </p:spPr>
-      </p:pic>
-      <p:sp>
-        <p:nvSpPr>
-          <p:cNvPr id="9" name="TextBox 8">
-            <a:extLst>
-              <a:ext uri="{FF2B5EF4-FFF2-40B4-BE49-F238E27FC236}">
-                <a16:creationId xmlns:a16="http://schemas.microsoft.com/office/drawing/2014/main" id="{F44FB717-D187-AD81-8C24-47F70A146A0E}"/>
-              </a:ext>
-            </a:extLst>
-          </p:cNvPr>
-          <p:cNvSpPr txBox="1"/>
-          <p:nvPr/>
-        </p:nvSpPr>
-        <p:spPr>
-          <a:xfrm>
-            <a:off x="1421447" y="5533801"/>
-            <a:ext cx="3802404" cy="830997"/>
-          </a:xfrm>
-          <a:prstGeom prst="rect">
-            <a:avLst/>
-          </a:prstGeom>
-          <a:noFill/>
-        </p:spPr>
-        <p:txBody>
-          <a:bodyPr wrap="square">
-            <a:spAutoFit/>
-          </a:bodyPr>
-          <a:lstStyle/>
-          <a:p>
-            <a:r>
-              <a:rPr lang="en-US" sz="1200" b="0" i="0" dirty="0">
-                <a:solidFill>
-                  <a:srgbClr val="202122"/>
-                </a:solidFill>
-                <a:effectLst/>
-                <a:latin typeface="Bahnschrift Light SemiCondensed" panose="020B0502040204020203" pitchFamily="34" charset="0"/>
-              </a:rPr>
-              <a:t>Between 1901 and 2018, the average global </a:t>
-            </a:r>
-            <a:r>
-              <a:rPr lang="en-US" sz="1200" dirty="0">
-                <a:solidFill>
-                  <a:srgbClr val="3366CC"/>
-                </a:solidFill>
-                <a:latin typeface="Bahnschrift Light SemiCondensed" panose="020B0502040204020203" pitchFamily="34" charset="0"/>
-              </a:rPr>
-              <a:t>sea level</a:t>
-            </a:r>
-            <a:r>
-              <a:rPr lang="en-US" sz="1200" b="0" i="0" dirty="0">
-                <a:solidFill>
-                  <a:srgbClr val="202122"/>
-                </a:solidFill>
-                <a:effectLst/>
-                <a:latin typeface="Bahnschrift Light SemiCondensed" panose="020B0502040204020203" pitchFamily="34" charset="0"/>
-              </a:rPr>
-              <a:t> rose by 15–25 cm (6–10 in), or 1–2 mm per year.</a:t>
-            </a:r>
-          </a:p>
-          <a:p>
-            <a:r>
-              <a:rPr lang="en-US" sz="1200" b="0" i="0" dirty="0">
-                <a:solidFill>
-                  <a:srgbClr val="202122"/>
-                </a:solidFill>
-                <a:effectLst/>
-                <a:latin typeface="Bahnschrift Light SemiCondensed" panose="020B0502040204020203" pitchFamily="34" charset="0"/>
-              </a:rPr>
-              <a:t>This rate is increasing; sea levels are now rising at a rate of 3.7 mm (0.146 inches) per year.</a:t>
-            </a:r>
-            <a:endParaRPr lang="en-IN" sz="1200" dirty="0">
-              <a:latin typeface="Bahnschrift Light SemiCondensed" panose="020B0502040204020203" pitchFamily="34" charset="0"/>
-            </a:endParaRPr>
-          </a:p>
-        </p:txBody>
-      </p:sp>
-      <p:pic>
-        <p:nvPicPr>
-          <p:cNvPr id="12" name="Picture 11">
-            <a:extLst>
-              <a:ext uri="{FF2B5EF4-FFF2-40B4-BE49-F238E27FC236}">
-                <a16:creationId xmlns:a16="http://schemas.microsoft.com/office/drawing/2014/main" id="{258C69F6-927C-614D-2635-6E32A059767B}"/>
+          <p:cNvPr id="14" name="Picture 13">
+            <a:extLst>
+              <a:ext uri="{FF2B5EF4-FFF2-40B4-BE49-F238E27FC236}">
+                <a16:creationId xmlns:a16="http://schemas.microsoft.com/office/drawing/2014/main" id="{C98F02F7-02FF-43D1-C166-7959C0FC36F9}"/>
               </a:ext>
             </a:extLst>
           </p:cNvPr>
@@ -4913,24 +4816,15 @@
           <p:nvPr/>
         </p:nvPicPr>
         <p:blipFill>
-          <a:blip r:embed="rId3">
-            <a:extLst>
-              <a:ext uri="{28A0092B-C50C-407E-A947-70E740481C1C}">
-                <a14:useLocalDpi xmlns:a14="http://schemas.microsoft.com/office/drawing/2010/main" val="0"/>
-              </a:ext>
-              <a:ext uri="{837473B0-CC2E-450A-ABE3-18F120FF3D39}">
-                <a1611:picAttrSrcUrl xmlns:a1611="http://schemas.microsoft.com/office/drawing/2016/11/main" r:id="rId4"/>
-              </a:ext>
-            </a:extLst>
-          </a:blip>
+          <a:blip r:embed="rId2"/>
           <a:stretch>
             <a:fillRect/>
           </a:stretch>
         </p:blipFill>
         <p:spPr>
           <a:xfrm>
-            <a:off x="216367" y="5480453"/>
-            <a:ext cx="971536" cy="1019504"/>
+            <a:off x="5996763" y="1212112"/>
+            <a:ext cx="6003850" cy="5562560"/>
           </a:xfrm>
           <a:prstGeom prst="rect">
             <a:avLst/>
@@ -4939,10 +4833,10 @@
       </p:pic>
       <p:pic>
         <p:nvPicPr>
-          <p:cNvPr id="14" name="Picture 13">
-            <a:extLst>
-              <a:ext uri="{FF2B5EF4-FFF2-40B4-BE49-F238E27FC236}">
-                <a16:creationId xmlns:a16="http://schemas.microsoft.com/office/drawing/2014/main" id="{C98F02F7-02FF-43D1-C166-7959C0FC36F9}"/>
+          <p:cNvPr id="7" name="Picture 6">
+            <a:extLst>
+              <a:ext uri="{FF2B5EF4-FFF2-40B4-BE49-F238E27FC236}">
+                <a16:creationId xmlns:a16="http://schemas.microsoft.com/office/drawing/2014/main" id="{A97A5A05-7E79-BD75-0789-6F0DCAD1B971}"/>
               </a:ext>
             </a:extLst>
           </p:cNvPr>
@@ -4952,21 +4846,65 @@
           <p:nvPr/>
         </p:nvPicPr>
         <p:blipFill>
-          <a:blip r:embed="rId5"/>
+          <a:blip r:embed="rId3"/>
           <a:stretch>
             <a:fillRect/>
           </a:stretch>
         </p:blipFill>
         <p:spPr>
           <a:xfrm>
-            <a:off x="5693615" y="235131"/>
-            <a:ext cx="6045511" cy="5054860"/>
+            <a:off x="191386" y="1212111"/>
+            <a:ext cx="5358807" cy="5562559"/>
           </a:xfrm>
           <a:prstGeom prst="rect">
             <a:avLst/>
           </a:prstGeom>
         </p:spPr>
       </p:pic>
+      <p:sp>
+        <p:nvSpPr>
+          <p:cNvPr id="10" name="TextBox 9">
+            <a:extLst>
+              <a:ext uri="{FF2B5EF4-FFF2-40B4-BE49-F238E27FC236}">
+                <a16:creationId xmlns:a16="http://schemas.microsoft.com/office/drawing/2014/main" id="{0E6C8C7D-A293-5528-3FF0-562A1275F5B8}"/>
+              </a:ext>
+            </a:extLst>
+          </p:cNvPr>
+          <p:cNvSpPr txBox="1"/>
+          <p:nvPr/>
+        </p:nvSpPr>
+        <p:spPr>
+          <a:xfrm>
+            <a:off x="3848986" y="83328"/>
+            <a:ext cx="8973879" cy="523220"/>
+          </a:xfrm>
+          <a:prstGeom prst="rect">
+            <a:avLst/>
+          </a:prstGeom>
+          <a:noFill/>
+        </p:spPr>
+        <p:txBody>
+          <a:bodyPr wrap="square" rtlCol="0">
+            <a:spAutoFit/>
+          </a:bodyPr>
+          <a:lstStyle/>
+          <a:p>
+            <a:r>
+              <a:rPr lang="en-GB" sz="2800" b="1" dirty="0">
+                <a:solidFill>
+                  <a:srgbClr val="0070C0"/>
+                </a:solidFill>
+              </a:rPr>
+              <a:t>Why ESG is important</a:t>
+            </a:r>
+            <a:endParaRPr lang="en-IN" sz="2800" b="1" dirty="0">
+              <a:solidFill>
+                <a:srgbClr val="0070C0"/>
+              </a:solidFill>
+            </a:endParaRPr>
+          </a:p>
+        </p:txBody>
+      </p:sp>
     </p:spTree>
     <p:extLst>
       <p:ext uri="{BB962C8B-B14F-4D97-AF65-F5344CB8AC3E}">
@@ -5025,96 +4963,6 @@
           </a:bodyPr>
           <a:lstStyle/>
           <a:p>
-            <a:r>
-              <a:rPr lang="en-IN" sz="1400" dirty="0"/>
-              <a:t>Approach we took…</a:t>
-            </a:r>
-          </a:p>
-          <a:p>
-            <a:pPr lvl="1"/>
-            <a:r>
-              <a:rPr lang="en-IN" sz="1400" dirty="0"/>
-              <a:t>Prepared a diverse portfolio with 680 tickers </a:t>
-            </a:r>
-          </a:p>
-          <a:p>
-            <a:pPr lvl="1"/>
-            <a:r>
-              <a:rPr lang="en-IN" sz="1400" dirty="0"/>
-              <a:t>We have used Yahoo Finance, S&amp;P to get the tickers detail</a:t>
-            </a:r>
-          </a:p>
-          <a:p>
-            <a:pPr lvl="1"/>
-            <a:r>
-              <a:rPr lang="en-IN" sz="1400" dirty="0"/>
-              <a:t>Using CLIMADA libraries for Impact/Damage ratio calculation </a:t>
-            </a:r>
-          </a:p>
-          <a:p>
-            <a:pPr lvl="1"/>
-            <a:r>
-              <a:rPr lang="en-IN" sz="1400" dirty="0"/>
-              <a:t>Calculating total ESG scores for each ticker</a:t>
-            </a:r>
-          </a:p>
-          <a:p>
-            <a:pPr lvl="1"/>
-            <a:r>
-              <a:rPr lang="en-IN" sz="1400" dirty="0"/>
-              <a:t>On based on above we have derived portfolio weights- Portfolio Index </a:t>
-            </a:r>
-          </a:p>
-          <a:p>
-            <a:pPr lvl="1"/>
-            <a:r>
-              <a:rPr lang="en-IN" sz="1400" dirty="0"/>
-              <a:t>Added a New ticker from UI</a:t>
-            </a:r>
-          </a:p>
-          <a:p>
-            <a:pPr lvl="1"/>
-            <a:r>
-              <a:rPr lang="en-IN" sz="1400" dirty="0"/>
-              <a:t>Recalculated portfolio index based on ESG scores</a:t>
-            </a:r>
-          </a:p>
-          <a:p>
-            <a:pPr lvl="1"/>
-            <a:r>
-              <a:rPr lang="en-IN" sz="1400" dirty="0"/>
-              <a:t>Historic performance comparison between S&amp;P 500 and our port folio - Graph View</a:t>
-            </a:r>
-          </a:p>
-          <a:p>
-            <a:pPr lvl="1"/>
-            <a:r>
-              <a:rPr lang="en-IN" sz="1400" dirty="0"/>
-              <a:t>Changes in portfolio when an ESG event occurs projecting future prices using Linear regression  - Graph View</a:t>
-            </a:r>
-          </a:p>
-          <a:p>
-            <a:pPr marL="457200" lvl="1" indent="0">
-              <a:buNone/>
-            </a:pPr>
-            <a:endParaRPr lang="en-IN" sz="1400" dirty="0"/>
-          </a:p>
-          <a:p>
-            <a:pPr marL="457200" lvl="1" indent="0">
-              <a:buNone/>
-            </a:pPr>
-            <a:endParaRPr lang="en-IN" sz="1400" dirty="0"/>
-          </a:p>
-          <a:p>
-            <a:pPr marL="457200" lvl="1" indent="0">
-              <a:buNone/>
-            </a:pPr>
-            <a:r>
-              <a:rPr lang="en-IN" sz="1400" dirty="0"/>
-              <a:t>Architecture Diagram – Gaurav</a:t>
-            </a:r>
-          </a:p>
-          <a:p>
             <a:pPr marL="457200" lvl="1" indent="0">
               <a:buNone/>
             </a:pPr>
@@ -5155,10 +5003,70 @@
           </a:p>
         </p:txBody>
       </p:sp>
+      <p:pic>
+        <p:nvPicPr>
+          <p:cNvPr id="6" name="Picture 5">
+            <a:extLst>
+              <a:ext uri="{FF2B5EF4-FFF2-40B4-BE49-F238E27FC236}">
+                <a16:creationId xmlns:a16="http://schemas.microsoft.com/office/drawing/2014/main" id="{22FB5972-D009-D1F6-1C55-2AE24635B914}"/>
+              </a:ext>
+            </a:extLst>
+          </p:cNvPr>
+          <p:cNvPicPr>
+            <a:picLocks noChangeAspect="1"/>
+          </p:cNvPicPr>
+          <p:nvPr/>
+        </p:nvPicPr>
+        <p:blipFill>
+          <a:blip r:embed="rId2"/>
+          <a:stretch>
+            <a:fillRect/>
+          </a:stretch>
+        </p:blipFill>
+        <p:spPr>
+          <a:xfrm>
+            <a:off x="115157" y="423164"/>
+            <a:ext cx="5980843" cy="6011672"/>
+          </a:xfrm>
+          <a:prstGeom prst="rect">
+            <a:avLst/>
+          </a:prstGeom>
+        </p:spPr>
+      </p:pic>
+      <p:pic>
+        <p:nvPicPr>
+          <p:cNvPr id="9" name="Picture 8">
+            <a:extLst>
+              <a:ext uri="{FF2B5EF4-FFF2-40B4-BE49-F238E27FC236}">
+                <a16:creationId xmlns:a16="http://schemas.microsoft.com/office/drawing/2014/main" id="{25CA8AFE-1F6E-946D-682B-521632B9D841}"/>
+              </a:ext>
+            </a:extLst>
+          </p:cNvPr>
+          <p:cNvPicPr>
+            <a:picLocks noChangeAspect="1"/>
+          </p:cNvPicPr>
+          <p:nvPr/>
+        </p:nvPicPr>
+        <p:blipFill>
+          <a:blip r:embed="rId3"/>
+          <a:stretch>
+            <a:fillRect/>
+          </a:stretch>
+        </p:blipFill>
+        <p:spPr>
+          <a:xfrm>
+            <a:off x="6243963" y="423164"/>
+            <a:ext cx="5832880" cy="3902883"/>
+          </a:xfrm>
+          <a:prstGeom prst="rect">
+            <a:avLst/>
+          </a:prstGeom>
+        </p:spPr>
+      </p:pic>
     </p:spTree>
     <p:extLst>
       <p:ext uri="{BB962C8B-B14F-4D97-AF65-F5344CB8AC3E}">
-        <p14:creationId xmlns:p14="http://schemas.microsoft.com/office/powerpoint/2010/main" val="591691343"/>
+        <p14:creationId xmlns:p14="http://schemas.microsoft.com/office/powerpoint/2010/main" val="2792216985"/>
       </p:ext>
     </p:extLst>
   </p:cSld>
@@ -5203,8 +5111,8 @@
         </p:nvSpPr>
         <p:spPr>
           <a:xfrm>
-            <a:off x="838200" y="233680"/>
-            <a:ext cx="10515600" cy="5943283"/>
+            <a:off x="280416" y="91440"/>
+            <a:ext cx="11725656" cy="6419088"/>
           </a:xfrm>
         </p:spPr>
         <p:txBody>
@@ -5212,6 +5120,94 @@
             <a:noAutofit/>
           </a:bodyPr>
           <a:lstStyle/>
+          <a:p>
+            <a:pPr marL="0" indent="0">
+              <a:buNone/>
+            </a:pPr>
+            <a:r>
+              <a:rPr lang="en-IN" sz="1800" dirty="0"/>
+              <a:t>Our Approach</a:t>
+            </a:r>
+          </a:p>
+          <a:p>
+            <a:pPr lvl="1"/>
+            <a:r>
+              <a:rPr lang="en-IN" sz="1400" dirty="0"/>
+              <a:t>Prepared a diverse portfolio with 680 tickers </a:t>
+            </a:r>
+          </a:p>
+          <a:p>
+            <a:pPr lvl="1"/>
+            <a:r>
+              <a:rPr lang="en-IN" sz="1400" dirty="0"/>
+              <a:t>We have used Yahoo Finance, S&amp;P to get the tickers detail</a:t>
+            </a:r>
+          </a:p>
+          <a:p>
+            <a:pPr lvl="1"/>
+            <a:r>
+              <a:rPr lang="en-IN" sz="1400" dirty="0"/>
+              <a:t>Using CLIMADA libraries for Impact/Damage ratio calculation </a:t>
+            </a:r>
+          </a:p>
+          <a:p>
+            <a:pPr lvl="1"/>
+            <a:r>
+              <a:rPr lang="en-IN" sz="1400" dirty="0"/>
+              <a:t>Calculating total ESG scores for each ticker</a:t>
+            </a:r>
+          </a:p>
+          <a:p>
+            <a:pPr lvl="1"/>
+            <a:r>
+              <a:rPr lang="en-IN" sz="1400" dirty="0"/>
+              <a:t>On based on above we have derived portfolio weights- Portfolio Index </a:t>
+            </a:r>
+          </a:p>
+          <a:p>
+            <a:pPr lvl="1"/>
+            <a:r>
+              <a:rPr lang="en-IN" sz="1400" dirty="0"/>
+              <a:t>Added a New ticker from UI</a:t>
+            </a:r>
+          </a:p>
+          <a:p>
+            <a:pPr lvl="1"/>
+            <a:r>
+              <a:rPr lang="en-IN" sz="1400" dirty="0"/>
+              <a:t>Recalculated portfolio index based on ESG scores</a:t>
+            </a:r>
+          </a:p>
+          <a:p>
+            <a:pPr lvl="1"/>
+            <a:r>
+              <a:rPr lang="en-IN" sz="1400" dirty="0"/>
+              <a:t>Historic performance comparison between S&amp;P 500 and our port folio - Graph View</a:t>
+            </a:r>
+          </a:p>
+          <a:p>
+            <a:pPr lvl="1"/>
+            <a:r>
+              <a:rPr lang="en-IN" sz="1400" dirty="0"/>
+              <a:t>Portfolio impact when an ESG event occurs – Graph View </a:t>
+            </a:r>
+          </a:p>
+          <a:p>
+            <a:pPr lvl="1"/>
+            <a:r>
+              <a:rPr lang="en-IN" sz="1400" dirty="0"/>
+              <a:t>Projecting future prices using Linear regression  - Graph View</a:t>
+            </a:r>
+          </a:p>
+          <a:p>
+            <a:pPr marL="0" indent="0">
+              <a:buNone/>
+            </a:pPr>
+            <a:r>
+              <a:rPr lang="en-IN" sz="1800" dirty="0"/>
+              <a:t>Architecture Diagram</a:t>
+            </a:r>
+          </a:p>
           <a:p>
             <a:pPr marL="457200" lvl="1" indent="0">
               <a:buNone/>
@@ -5255,10 +5251,201 @@
       </p:sp>
       <p:sp>
         <p:nvSpPr>
-          <p:cNvPr id="3" name="TextBox 2">
-            <a:extLst>
-              <a:ext uri="{FF2B5EF4-FFF2-40B4-BE49-F238E27FC236}">
-                <a16:creationId xmlns:a16="http://schemas.microsoft.com/office/drawing/2014/main" id="{E4E27499-090A-CA7A-69D4-81F8E15C60A9}"/>
+          <p:cNvPr id="2" name="Rectangle: Rounded Corners 1">
+            <a:extLst>
+              <a:ext uri="{FF2B5EF4-FFF2-40B4-BE49-F238E27FC236}">
+                <a16:creationId xmlns:a16="http://schemas.microsoft.com/office/drawing/2014/main" id="{045C0D01-BFD6-3487-3A7A-0D66A10D9DD2}"/>
+              </a:ext>
+            </a:extLst>
+          </p:cNvPr>
+          <p:cNvSpPr/>
+          <p:nvPr/>
+        </p:nvSpPr>
+        <p:spPr>
+          <a:xfrm>
+            <a:off x="3063240" y="3264408"/>
+            <a:ext cx="1938528" cy="448056"/>
+          </a:xfrm>
+          <a:prstGeom prst="roundRect">
+            <a:avLst/>
+          </a:prstGeom>
+          <a:solidFill>
+            <a:schemeClr val="accent4">
+              <a:lumMod val="75000"/>
+            </a:schemeClr>
+          </a:solidFill>
+          <a:ln>
+            <a:solidFill>
+              <a:schemeClr val="accent4">
+                <a:lumMod val="75000"/>
+              </a:schemeClr>
+            </a:solidFill>
+          </a:ln>
+        </p:spPr>
+        <p:style>
+          <a:lnRef idx="2">
+            <a:schemeClr val="accent1">
+              <a:shade val="50000"/>
+            </a:schemeClr>
+          </a:lnRef>
+          <a:fillRef idx="1">
+            <a:schemeClr val="accent1"/>
+          </a:fillRef>
+          <a:effectRef idx="0">
+            <a:schemeClr val="accent1"/>
+          </a:effectRef>
+          <a:fontRef idx="minor">
+            <a:schemeClr val="lt1"/>
+          </a:fontRef>
+        </p:style>
+        <p:txBody>
+          <a:bodyPr rtlCol="0" anchor="ctr"/>
+          <a:lstStyle/>
+          <a:p>
+            <a:pPr algn="ctr"/>
+            <a:r>
+              <a:rPr lang="en-GB" dirty="0">
+                <a:solidFill>
+                  <a:schemeClr val="bg1"/>
+                </a:solidFill>
+              </a:rPr>
+              <a:t>Yahoo Finance</a:t>
+            </a:r>
+            <a:endParaRPr lang="en-IN" dirty="0">
+              <a:solidFill>
+                <a:schemeClr val="bg1"/>
+              </a:solidFill>
+            </a:endParaRPr>
+          </a:p>
+        </p:txBody>
+      </p:sp>
+      <p:sp>
+        <p:nvSpPr>
+          <p:cNvPr id="3" name="Rectangle: Rounded Corners 2">
+            <a:extLst>
+              <a:ext uri="{FF2B5EF4-FFF2-40B4-BE49-F238E27FC236}">
+                <a16:creationId xmlns:a16="http://schemas.microsoft.com/office/drawing/2014/main" id="{D9A0992F-310B-F496-49D3-DE7054D79221}"/>
+              </a:ext>
+            </a:extLst>
+          </p:cNvPr>
+          <p:cNvSpPr/>
+          <p:nvPr/>
+        </p:nvSpPr>
+        <p:spPr>
+          <a:xfrm>
+            <a:off x="822960" y="4194048"/>
+            <a:ext cx="6757416" cy="984503"/>
+          </a:xfrm>
+          <a:prstGeom prst="roundRect">
+            <a:avLst/>
+          </a:prstGeom>
+          <a:solidFill>
+            <a:schemeClr val="accent4">
+              <a:lumMod val="75000"/>
+            </a:schemeClr>
+          </a:solidFill>
+          <a:ln>
+            <a:solidFill>
+              <a:schemeClr val="accent4">
+                <a:lumMod val="75000"/>
+              </a:schemeClr>
+            </a:solidFill>
+          </a:ln>
+        </p:spPr>
+        <p:style>
+          <a:lnRef idx="2">
+            <a:schemeClr val="accent1">
+              <a:shade val="50000"/>
+            </a:schemeClr>
+          </a:lnRef>
+          <a:fillRef idx="1">
+            <a:schemeClr val="accent1"/>
+          </a:fillRef>
+          <a:effectRef idx="0">
+            <a:schemeClr val="accent1"/>
+          </a:effectRef>
+          <a:fontRef idx="minor">
+            <a:schemeClr val="lt1"/>
+          </a:fontRef>
+        </p:style>
+        <p:txBody>
+          <a:bodyPr rtlCol="0" anchor="t"/>
+          <a:lstStyle/>
+          <a:p>
+            <a:pPr algn="ctr"/>
+            <a:r>
+              <a:rPr lang="en-GB" sz="1600" dirty="0">
+                <a:solidFill>
+                  <a:schemeClr val="bg1"/>
+                </a:solidFill>
+              </a:rPr>
+              <a:t>GRAPPHITE Engine</a:t>
+            </a:r>
+            <a:endParaRPr lang="en-IN" sz="1600" dirty="0">
+              <a:solidFill>
+                <a:schemeClr val="bg1"/>
+              </a:solidFill>
+            </a:endParaRPr>
+          </a:p>
+        </p:txBody>
+      </p:sp>
+      <p:sp>
+        <p:nvSpPr>
+          <p:cNvPr id="4" name="Arrow: Down 3">
+            <a:extLst>
+              <a:ext uri="{FF2B5EF4-FFF2-40B4-BE49-F238E27FC236}">
+                <a16:creationId xmlns:a16="http://schemas.microsoft.com/office/drawing/2014/main" id="{6EA72CCB-2B3C-C1A4-0FB1-C3C360B04FF6}"/>
+              </a:ext>
+            </a:extLst>
+          </p:cNvPr>
+          <p:cNvSpPr/>
+          <p:nvPr/>
+        </p:nvSpPr>
+        <p:spPr>
+          <a:xfrm>
+            <a:off x="3886200" y="3732276"/>
+            <a:ext cx="246888" cy="448056"/>
+          </a:xfrm>
+          <a:prstGeom prst="downArrow">
+            <a:avLst/>
+          </a:prstGeom>
+          <a:solidFill>
+            <a:schemeClr val="accent4">
+              <a:lumMod val="75000"/>
+            </a:schemeClr>
+          </a:solidFill>
+        </p:spPr>
+        <p:style>
+          <a:lnRef idx="2">
+            <a:schemeClr val="accent1">
+              <a:shade val="50000"/>
+            </a:schemeClr>
+          </a:lnRef>
+          <a:fillRef idx="1">
+            <a:schemeClr val="accent1"/>
+          </a:fillRef>
+          <a:effectRef idx="0">
+            <a:schemeClr val="accent1"/>
+          </a:effectRef>
+          <a:fontRef idx="minor">
+            <a:schemeClr val="lt1"/>
+          </a:fontRef>
+        </p:style>
+        <p:txBody>
+          <a:bodyPr rtlCol="0" anchor="ctr"/>
+          <a:lstStyle/>
+          <a:p>
+            <a:pPr algn="ctr"/>
+            <a:endParaRPr lang="en-IN"/>
+          </a:p>
+        </p:txBody>
+      </p:sp>
+      <p:sp>
+        <p:nvSpPr>
+          <p:cNvPr id="5" name="TextBox 4">
+            <a:extLst>
+              <a:ext uri="{FF2B5EF4-FFF2-40B4-BE49-F238E27FC236}">
+                <a16:creationId xmlns:a16="http://schemas.microsoft.com/office/drawing/2014/main" id="{4746AA21-679A-A9BE-68EB-F821E95B8655}"/>
               </a:ext>
             </a:extLst>
           </p:cNvPr>
@@ -5267,8 +5454,8 @@
         </p:nvSpPr>
         <p:spPr>
           <a:xfrm>
-            <a:off x="1020119" y="796778"/>
-            <a:ext cx="6094878" cy="2677656"/>
+            <a:off x="2852928" y="3723133"/>
+            <a:ext cx="1152144" cy="307777"/>
           </a:xfrm>
           <a:prstGeom prst="rect">
             <a:avLst/>
@@ -5276,107 +5463,519 @@
           <a:noFill/>
         </p:spPr>
         <p:txBody>
-          <a:bodyPr wrap="square">
+          <a:bodyPr wrap="square" rtlCol="0">
             <a:spAutoFit/>
           </a:bodyPr>
           <a:lstStyle/>
           <a:p>
             <a:r>
-              <a:rPr lang="en-IN" sz="1400" dirty="0"/>
-              <a:t>Assumptions</a:t>
-            </a:r>
-          </a:p>
-          <a:p>
-            <a:pPr lvl="1"/>
-            <a:r>
-              <a:rPr lang="en-IN" sz="1400" dirty="0"/>
-              <a:t>We are only considering adding new tickers to portfolio</a:t>
-            </a:r>
-          </a:p>
-          <a:p>
-            <a:pPr lvl="1"/>
-            <a:r>
-              <a:rPr lang="en-IN" sz="1400" dirty="0"/>
-              <a:t>We are calculating climate impact on domicile basis</a:t>
-            </a:r>
-          </a:p>
-          <a:p>
-            <a:pPr lvl="1"/>
-            <a:r>
-              <a:rPr lang="en-IN" sz="1400" dirty="0"/>
-              <a:t>We are using closing prices for all calculations</a:t>
-            </a:r>
-          </a:p>
-          <a:p>
-            <a:pPr marL="457200" lvl="1" indent="0">
-              <a:buNone/>
-            </a:pPr>
+              <a:rPr lang="en-GB" sz="1400" dirty="0"/>
+              <a:t>Market Data</a:t>
+            </a:r>
             <a:endParaRPr lang="en-IN" sz="1400" dirty="0"/>
           </a:p>
-          <a:p>
-            <a:pPr marL="457200" lvl="1" indent="0">
-              <a:buNone/>
-            </a:pPr>
-            <a:r>
-              <a:rPr lang="en-IN" sz="1400" dirty="0"/>
-              <a:t>Tech Stack</a:t>
-            </a:r>
-          </a:p>
-          <a:p>
-            <a:pPr lvl="1"/>
-            <a:r>
-              <a:rPr lang="en-IN" sz="1400" dirty="0"/>
-              <a:t>Python, Flask, Scikit Learn, React JS, AG GRID, Docker, Git, Azure Cloud</a:t>
-            </a:r>
-          </a:p>
-          <a:p>
-            <a:pPr marL="457200" lvl="1" indent="0">
-              <a:buNone/>
-            </a:pPr>
+        </p:txBody>
+      </p:sp>
+      <p:sp>
+        <p:nvSpPr>
+          <p:cNvPr id="6" name="Rectangle: Rounded Corners 5">
+            <a:extLst>
+              <a:ext uri="{FF2B5EF4-FFF2-40B4-BE49-F238E27FC236}">
+                <a16:creationId xmlns:a16="http://schemas.microsoft.com/office/drawing/2014/main" id="{B70D5A57-E466-E44F-BCD2-40E190F87B9A}"/>
+              </a:ext>
+            </a:extLst>
+          </p:cNvPr>
+          <p:cNvSpPr/>
+          <p:nvPr/>
+        </p:nvSpPr>
+        <p:spPr>
+          <a:xfrm>
+            <a:off x="8979408" y="4394072"/>
+            <a:ext cx="1389888" cy="493014"/>
+          </a:xfrm>
+          <a:prstGeom prst="roundRect">
+            <a:avLst/>
+          </a:prstGeom>
+          <a:solidFill>
+            <a:schemeClr val="accent4">
+              <a:lumMod val="75000"/>
+            </a:schemeClr>
+          </a:solidFill>
+          <a:ln>
+            <a:solidFill>
+              <a:schemeClr val="accent4">
+                <a:lumMod val="75000"/>
+              </a:schemeClr>
+            </a:solidFill>
+          </a:ln>
+        </p:spPr>
+        <p:style>
+          <a:lnRef idx="2">
+            <a:schemeClr val="accent1">
+              <a:shade val="50000"/>
+            </a:schemeClr>
+          </a:lnRef>
+          <a:fillRef idx="1">
+            <a:schemeClr val="accent1"/>
+          </a:fillRef>
+          <a:effectRef idx="0">
+            <a:schemeClr val="accent1"/>
+          </a:effectRef>
+          <a:fontRef idx="minor">
+            <a:schemeClr val="lt1"/>
+          </a:fontRef>
+        </p:style>
+        <p:txBody>
+          <a:bodyPr rtlCol="0" anchor="ctr"/>
+          <a:lstStyle/>
+          <a:p>
+            <a:pPr algn="ctr"/>
+            <a:r>
+              <a:rPr lang="en-GB" dirty="0">
+                <a:solidFill>
+                  <a:schemeClr val="bg1"/>
+                </a:solidFill>
+              </a:rPr>
+              <a:t>CLIMADA</a:t>
+            </a:r>
+          </a:p>
+        </p:txBody>
+      </p:sp>
+      <p:sp>
+        <p:nvSpPr>
+          <p:cNvPr id="7" name="Rectangle: Rounded Corners 6">
+            <a:extLst>
+              <a:ext uri="{FF2B5EF4-FFF2-40B4-BE49-F238E27FC236}">
+                <a16:creationId xmlns:a16="http://schemas.microsoft.com/office/drawing/2014/main" id="{58FE3B8F-C1E7-DB64-C43F-8910F22C2284}"/>
+              </a:ext>
+            </a:extLst>
+          </p:cNvPr>
+          <p:cNvSpPr/>
+          <p:nvPr/>
+        </p:nvSpPr>
+        <p:spPr>
+          <a:xfrm>
+            <a:off x="3063240" y="5577840"/>
+            <a:ext cx="1938528" cy="612648"/>
+          </a:xfrm>
+          <a:prstGeom prst="roundRect">
+            <a:avLst/>
+          </a:prstGeom>
+          <a:solidFill>
+            <a:schemeClr val="accent4">
+              <a:lumMod val="75000"/>
+            </a:schemeClr>
+          </a:solidFill>
+          <a:ln>
+            <a:solidFill>
+              <a:schemeClr val="accent4">
+                <a:lumMod val="75000"/>
+              </a:schemeClr>
+            </a:solidFill>
+          </a:ln>
+        </p:spPr>
+        <p:style>
+          <a:lnRef idx="2">
+            <a:schemeClr val="accent1">
+              <a:shade val="50000"/>
+            </a:schemeClr>
+          </a:lnRef>
+          <a:fillRef idx="1">
+            <a:schemeClr val="accent1"/>
+          </a:fillRef>
+          <a:effectRef idx="0">
+            <a:schemeClr val="accent1"/>
+          </a:effectRef>
+          <a:fontRef idx="minor">
+            <a:schemeClr val="lt1"/>
+          </a:fontRef>
+        </p:style>
+        <p:txBody>
+          <a:bodyPr rtlCol="0" anchor="ctr"/>
+          <a:lstStyle/>
+          <a:p>
+            <a:pPr algn="ctr"/>
+            <a:r>
+              <a:rPr lang="en-GB" dirty="0">
+                <a:solidFill>
+                  <a:schemeClr val="bg1"/>
+                </a:solidFill>
+              </a:rPr>
+              <a:t>Portfolio Manager UI</a:t>
+            </a:r>
+          </a:p>
+        </p:txBody>
+      </p:sp>
+      <p:sp>
+        <p:nvSpPr>
+          <p:cNvPr id="9" name="Arrow: Up-Down 8">
+            <a:extLst>
+              <a:ext uri="{FF2B5EF4-FFF2-40B4-BE49-F238E27FC236}">
+                <a16:creationId xmlns:a16="http://schemas.microsoft.com/office/drawing/2014/main" id="{710A9EA2-B3C1-66C0-6E9B-45462EA8B563}"/>
+              </a:ext>
+            </a:extLst>
+          </p:cNvPr>
+          <p:cNvSpPr/>
+          <p:nvPr/>
+        </p:nvSpPr>
+        <p:spPr>
+          <a:xfrm>
+            <a:off x="3922776" y="5157216"/>
+            <a:ext cx="219456" cy="411480"/>
+          </a:xfrm>
+          <a:prstGeom prst="upDownArrow">
+            <a:avLst/>
+          </a:prstGeom>
+          <a:solidFill>
+            <a:schemeClr val="accent4">
+              <a:lumMod val="75000"/>
+            </a:schemeClr>
+          </a:solidFill>
+        </p:spPr>
+        <p:style>
+          <a:lnRef idx="2">
+            <a:schemeClr val="accent1">
+              <a:shade val="50000"/>
+            </a:schemeClr>
+          </a:lnRef>
+          <a:fillRef idx="1">
+            <a:schemeClr val="accent1"/>
+          </a:fillRef>
+          <a:effectRef idx="0">
+            <a:schemeClr val="accent1"/>
+          </a:effectRef>
+          <a:fontRef idx="minor">
+            <a:schemeClr val="lt1"/>
+          </a:fontRef>
+        </p:style>
+        <p:txBody>
+          <a:bodyPr rtlCol="0" anchor="ctr"/>
+          <a:lstStyle/>
+          <a:p>
+            <a:pPr algn="ctr"/>
+            <a:endParaRPr lang="en-IN"/>
+          </a:p>
+        </p:txBody>
+      </p:sp>
+      <p:sp>
+        <p:nvSpPr>
+          <p:cNvPr id="10" name="Arrow: Left 9">
+            <a:extLst>
+              <a:ext uri="{FF2B5EF4-FFF2-40B4-BE49-F238E27FC236}">
+                <a16:creationId xmlns:a16="http://schemas.microsoft.com/office/drawing/2014/main" id="{63F18A3A-1398-5769-B7AC-C2A688CF873F}"/>
+              </a:ext>
+            </a:extLst>
+          </p:cNvPr>
+          <p:cNvSpPr/>
+          <p:nvPr/>
+        </p:nvSpPr>
+        <p:spPr>
+          <a:xfrm>
+            <a:off x="7580376" y="4535422"/>
+            <a:ext cx="1389888" cy="228601"/>
+          </a:xfrm>
+          <a:prstGeom prst="leftArrow">
+            <a:avLst/>
+          </a:prstGeom>
+          <a:solidFill>
+            <a:schemeClr val="accent4">
+              <a:lumMod val="75000"/>
+            </a:schemeClr>
+          </a:solidFill>
+        </p:spPr>
+        <p:style>
+          <a:lnRef idx="2">
+            <a:schemeClr val="accent1">
+              <a:shade val="50000"/>
+            </a:schemeClr>
+          </a:lnRef>
+          <a:fillRef idx="1">
+            <a:schemeClr val="accent1"/>
+          </a:fillRef>
+          <a:effectRef idx="0">
+            <a:schemeClr val="accent1"/>
+          </a:effectRef>
+          <a:fontRef idx="minor">
+            <a:schemeClr val="lt1"/>
+          </a:fontRef>
+        </p:style>
+        <p:txBody>
+          <a:bodyPr rtlCol="0" anchor="ctr"/>
+          <a:lstStyle/>
+          <a:p>
+            <a:pPr algn="ctr"/>
+            <a:endParaRPr lang="en-IN"/>
+          </a:p>
+        </p:txBody>
+      </p:sp>
+      <p:sp>
+        <p:nvSpPr>
+          <p:cNvPr id="11" name="Rectangle: Diagonal Corners Rounded 10">
+            <a:extLst>
+              <a:ext uri="{FF2B5EF4-FFF2-40B4-BE49-F238E27FC236}">
+                <a16:creationId xmlns:a16="http://schemas.microsoft.com/office/drawing/2014/main" id="{D14666A7-EE17-99C3-F8E7-42099C2BC8BD}"/>
+              </a:ext>
+            </a:extLst>
+          </p:cNvPr>
+          <p:cNvSpPr/>
+          <p:nvPr/>
+        </p:nvSpPr>
+        <p:spPr>
+          <a:xfrm>
+            <a:off x="1088136" y="4535422"/>
+            <a:ext cx="1938528" cy="502922"/>
+          </a:xfrm>
+          <a:prstGeom prst="round2DiagRect">
+            <a:avLst/>
+          </a:prstGeom>
+          <a:solidFill>
+            <a:schemeClr val="accent4">
+              <a:lumMod val="60000"/>
+              <a:lumOff val="40000"/>
+            </a:schemeClr>
+          </a:solidFill>
+        </p:spPr>
+        <p:style>
+          <a:lnRef idx="2">
+            <a:schemeClr val="accent1">
+              <a:shade val="50000"/>
+            </a:schemeClr>
+          </a:lnRef>
+          <a:fillRef idx="1">
+            <a:schemeClr val="accent1"/>
+          </a:fillRef>
+          <a:effectRef idx="0">
+            <a:schemeClr val="accent1"/>
+          </a:effectRef>
+          <a:fontRef idx="minor">
+            <a:schemeClr val="lt1"/>
+          </a:fontRef>
+        </p:style>
+        <p:txBody>
+          <a:bodyPr rtlCol="0" anchor="ctr"/>
+          <a:lstStyle/>
+          <a:p>
+            <a:pPr algn="ctr"/>
+            <a:r>
+              <a:rPr lang="en-GB" dirty="0">
+                <a:solidFill>
+                  <a:schemeClr val="tx1"/>
+                </a:solidFill>
+              </a:rPr>
+              <a:t>Portfolio Index Calculator</a:t>
+            </a:r>
+            <a:endParaRPr lang="en-IN" dirty="0">
+              <a:solidFill>
+                <a:schemeClr val="tx1"/>
+              </a:solidFill>
+            </a:endParaRPr>
+          </a:p>
+        </p:txBody>
+      </p:sp>
+      <p:sp>
+        <p:nvSpPr>
+          <p:cNvPr id="12" name="Rectangle: Diagonal Corners Rounded 11">
+            <a:extLst>
+              <a:ext uri="{FF2B5EF4-FFF2-40B4-BE49-F238E27FC236}">
+                <a16:creationId xmlns:a16="http://schemas.microsoft.com/office/drawing/2014/main" id="{5E75DEDB-2D91-2262-2272-1B61F21F790A}"/>
+              </a:ext>
+            </a:extLst>
+          </p:cNvPr>
+          <p:cNvSpPr/>
+          <p:nvPr/>
+        </p:nvSpPr>
+        <p:spPr>
+          <a:xfrm>
+            <a:off x="3232404" y="4541518"/>
+            <a:ext cx="1938528" cy="502922"/>
+          </a:xfrm>
+          <a:prstGeom prst="round2DiagRect">
+            <a:avLst/>
+          </a:prstGeom>
+          <a:solidFill>
+            <a:schemeClr val="accent4">
+              <a:lumMod val="60000"/>
+              <a:lumOff val="40000"/>
+            </a:schemeClr>
+          </a:solidFill>
+        </p:spPr>
+        <p:style>
+          <a:lnRef idx="2">
+            <a:schemeClr val="accent1">
+              <a:shade val="50000"/>
+            </a:schemeClr>
+          </a:lnRef>
+          <a:fillRef idx="1">
+            <a:schemeClr val="accent1"/>
+          </a:fillRef>
+          <a:effectRef idx="0">
+            <a:schemeClr val="accent1"/>
+          </a:effectRef>
+          <a:fontRef idx="minor">
+            <a:schemeClr val="lt1"/>
+          </a:fontRef>
+        </p:style>
+        <p:txBody>
+          <a:bodyPr rtlCol="0" anchor="ctr"/>
+          <a:lstStyle/>
+          <a:p>
+            <a:pPr algn="ctr"/>
+            <a:r>
+              <a:rPr lang="en-GB" dirty="0">
+                <a:solidFill>
+                  <a:schemeClr val="tx1"/>
+                </a:solidFill>
+              </a:rPr>
+              <a:t>Impact Analyser</a:t>
+            </a:r>
+            <a:endParaRPr lang="en-IN" dirty="0">
+              <a:solidFill>
+                <a:schemeClr val="tx1"/>
+              </a:solidFill>
+            </a:endParaRPr>
+          </a:p>
+        </p:txBody>
+      </p:sp>
+      <p:sp>
+        <p:nvSpPr>
+          <p:cNvPr id="13" name="Rectangle: Diagonal Corners Rounded 12">
+            <a:extLst>
+              <a:ext uri="{FF2B5EF4-FFF2-40B4-BE49-F238E27FC236}">
+                <a16:creationId xmlns:a16="http://schemas.microsoft.com/office/drawing/2014/main" id="{3451160D-6C90-AB05-7028-756B790C1E51}"/>
+              </a:ext>
+            </a:extLst>
+          </p:cNvPr>
+          <p:cNvSpPr/>
+          <p:nvPr/>
+        </p:nvSpPr>
+        <p:spPr>
+          <a:xfrm>
+            <a:off x="5385816" y="4535422"/>
+            <a:ext cx="1938528" cy="502922"/>
+          </a:xfrm>
+          <a:prstGeom prst="round2DiagRect">
+            <a:avLst/>
+          </a:prstGeom>
+          <a:solidFill>
+            <a:schemeClr val="accent4">
+              <a:lumMod val="60000"/>
+              <a:lumOff val="40000"/>
+            </a:schemeClr>
+          </a:solidFill>
+        </p:spPr>
+        <p:style>
+          <a:lnRef idx="2">
+            <a:schemeClr val="accent1">
+              <a:shade val="50000"/>
+            </a:schemeClr>
+          </a:lnRef>
+          <a:fillRef idx="1">
+            <a:schemeClr val="accent1"/>
+          </a:fillRef>
+          <a:effectRef idx="0">
+            <a:schemeClr val="accent1"/>
+          </a:effectRef>
+          <a:fontRef idx="minor">
+            <a:schemeClr val="lt1"/>
+          </a:fontRef>
+        </p:style>
+        <p:txBody>
+          <a:bodyPr rtlCol="0" anchor="ctr"/>
+          <a:lstStyle/>
+          <a:p>
+            <a:pPr algn="ctr"/>
+            <a:r>
+              <a:rPr lang="en-GB" dirty="0">
+                <a:solidFill>
+                  <a:schemeClr val="tx1"/>
+                </a:solidFill>
+              </a:rPr>
+              <a:t>Projection Model</a:t>
+            </a:r>
+            <a:endParaRPr lang="en-IN" dirty="0">
+              <a:solidFill>
+                <a:schemeClr val="tx1"/>
+              </a:solidFill>
+            </a:endParaRPr>
+          </a:p>
+        </p:txBody>
+      </p:sp>
+      <p:sp>
+        <p:nvSpPr>
+          <p:cNvPr id="14" name="TextBox 13">
+            <a:extLst>
+              <a:ext uri="{FF2B5EF4-FFF2-40B4-BE49-F238E27FC236}">
+                <a16:creationId xmlns:a16="http://schemas.microsoft.com/office/drawing/2014/main" id="{C8E07FA1-D35F-9D70-F6FE-A1EDBB9AFA0F}"/>
+              </a:ext>
+            </a:extLst>
+          </p:cNvPr>
+          <p:cNvSpPr txBox="1"/>
+          <p:nvPr/>
+        </p:nvSpPr>
+        <p:spPr>
+          <a:xfrm>
+            <a:off x="7784592" y="4849439"/>
+            <a:ext cx="1152144" cy="307777"/>
+          </a:xfrm>
+          <a:prstGeom prst="rect">
+            <a:avLst/>
+          </a:prstGeom>
+          <a:noFill/>
+        </p:spPr>
+        <p:txBody>
+          <a:bodyPr wrap="square" rtlCol="0">
+            <a:spAutoFit/>
+          </a:bodyPr>
+          <a:lstStyle/>
+          <a:p>
+            <a:r>
+              <a:rPr lang="en-GB" sz="1400" dirty="0"/>
+              <a:t>Impact Data</a:t>
+            </a:r>
             <a:endParaRPr lang="en-IN" sz="1400" dirty="0"/>
           </a:p>
-          <a:p>
-            <a:pPr marL="457200" lvl="1" indent="0">
-              <a:buNone/>
-            </a:pPr>
-            <a:r>
-              <a:rPr lang="en-IN" sz="1400" dirty="0"/>
-              <a:t>Challenges</a:t>
-            </a:r>
-          </a:p>
-          <a:p>
-            <a:pPr marL="457200" lvl="1" indent="0">
-              <a:buNone/>
-            </a:pPr>
-            <a:r>
-              <a:rPr lang="en-IN" sz="1400" dirty="0"/>
-              <a:t>CLIMADA Integration</a:t>
-            </a:r>
-          </a:p>
-          <a:p>
-            <a:pPr marL="457200" lvl="1" indent="0">
-              <a:buNone/>
-            </a:pPr>
-            <a:r>
-              <a:rPr lang="en-IN" sz="1400" dirty="0"/>
-              <a:t>Lack of open source data on ESG</a:t>
-            </a:r>
-          </a:p>
-          <a:p>
-            <a:pPr marL="457200" lvl="1" indent="0">
-              <a:buNone/>
-            </a:pPr>
-            <a:r>
-              <a:rPr lang="en-IN" sz="1400" dirty="0"/>
-              <a:t>Steep domain learning curve </a:t>
-            </a:r>
+        </p:txBody>
+      </p:sp>
+      <p:sp>
+        <p:nvSpPr>
+          <p:cNvPr id="15" name="TextBox 14">
+            <a:extLst>
+              <a:ext uri="{FF2B5EF4-FFF2-40B4-BE49-F238E27FC236}">
+                <a16:creationId xmlns:a16="http://schemas.microsoft.com/office/drawing/2014/main" id="{5AA5958D-FEAC-162B-B29B-17B1F7150753}"/>
+              </a:ext>
+            </a:extLst>
+          </p:cNvPr>
+          <p:cNvSpPr txBox="1"/>
+          <p:nvPr/>
+        </p:nvSpPr>
+        <p:spPr>
+          <a:xfrm>
+            <a:off x="4325112" y="5238021"/>
+            <a:ext cx="1481328" cy="307777"/>
+          </a:xfrm>
+          <a:prstGeom prst="rect">
+            <a:avLst/>
+          </a:prstGeom>
+          <a:noFill/>
+        </p:spPr>
+        <p:txBody>
+          <a:bodyPr wrap="square" rtlCol="0">
+            <a:spAutoFit/>
+          </a:bodyPr>
+          <a:lstStyle/>
+          <a:p>
+            <a:r>
+              <a:rPr lang="en-GB" sz="1400" dirty="0"/>
+              <a:t>Portfolio Events</a:t>
+            </a:r>
+            <a:endParaRPr lang="en-IN" sz="1400" dirty="0"/>
           </a:p>
         </p:txBody>
       </p:sp>
     </p:spTree>
     <p:extLst>
       <p:ext uri="{BB962C8B-B14F-4D97-AF65-F5344CB8AC3E}">
-        <p14:creationId xmlns:p14="http://schemas.microsoft.com/office/powerpoint/2010/main" val="1771786516"/>
+        <p14:creationId xmlns:p14="http://schemas.microsoft.com/office/powerpoint/2010/main" val="591691343"/>
       </p:ext>
     </p:extLst>
   </p:cSld>
@@ -5485,8 +6084,8 @@
         </p:nvSpPr>
         <p:spPr>
           <a:xfrm>
-            <a:off x="838200" y="801813"/>
-            <a:ext cx="6094878" cy="307777"/>
+            <a:off x="1020119" y="796778"/>
+            <a:ext cx="6094878" cy="2677656"/>
           </a:xfrm>
           <a:prstGeom prst="rect">
             <a:avLst/>
@@ -5499,172 +6098,102 @@
           </a:bodyPr>
           <a:lstStyle/>
           <a:p>
+            <a:r>
+              <a:rPr lang="en-IN" sz="1400" dirty="0"/>
+              <a:t>Assumptions</a:t>
+            </a:r>
+          </a:p>
+          <a:p>
+            <a:pPr lvl="1"/>
+            <a:r>
+              <a:rPr lang="en-IN" sz="1400" dirty="0"/>
+              <a:t>We are only considering adding new tickers to portfolio</a:t>
+            </a:r>
+          </a:p>
+          <a:p>
+            <a:pPr lvl="1"/>
+            <a:r>
+              <a:rPr lang="en-IN" sz="1400" dirty="0"/>
+              <a:t>We are calculating climate impact on domicile basis</a:t>
+            </a:r>
+          </a:p>
+          <a:p>
+            <a:pPr lvl="1"/>
+            <a:r>
+              <a:rPr lang="en-IN" sz="1400" dirty="0"/>
+              <a:t>We are using closing prices for all calculations</a:t>
+            </a:r>
+          </a:p>
+          <a:p>
+            <a:pPr marL="457200" lvl="1" indent="0">
+              <a:buNone/>
+            </a:pPr>
             <a:endParaRPr lang="en-IN" sz="1400" dirty="0"/>
           </a:p>
-        </p:txBody>
-      </p:sp>
-      <p:pic>
-        <p:nvPicPr>
-          <p:cNvPr id="7" name="Picture 6">
-            <a:extLst>
-              <a:ext uri="{FF2B5EF4-FFF2-40B4-BE49-F238E27FC236}">
-                <a16:creationId xmlns:a16="http://schemas.microsoft.com/office/drawing/2014/main" id="{0B243B19-508C-FD7A-7308-AF1DF9C778D7}"/>
-              </a:ext>
-            </a:extLst>
-          </p:cNvPr>
-          <p:cNvPicPr>
-            <a:picLocks noChangeAspect="1"/>
-          </p:cNvPicPr>
-          <p:nvPr/>
-        </p:nvPicPr>
-        <p:blipFill>
-          <a:blip r:embed="rId2"/>
-          <a:stretch>
-            <a:fillRect/>
-          </a:stretch>
-        </p:blipFill>
-        <p:spPr>
-          <a:xfrm>
-            <a:off x="2660982" y="955701"/>
-            <a:ext cx="6591639" cy="4711942"/>
-          </a:xfrm>
-          <a:prstGeom prst="rect">
-            <a:avLst/>
-          </a:prstGeom>
-        </p:spPr>
-      </p:pic>
+          <a:p>
+            <a:pPr marL="457200" lvl="1" indent="0">
+              <a:buNone/>
+            </a:pPr>
+            <a:r>
+              <a:rPr lang="en-IN" sz="1400" dirty="0"/>
+              <a:t>Tech Stack</a:t>
+            </a:r>
+          </a:p>
+          <a:p>
+            <a:pPr lvl="1"/>
+            <a:r>
+              <a:rPr lang="en-IN" sz="1400" dirty="0"/>
+              <a:t>Python, Flask, Scikit Learn, React JS, AG GRID, Docker, Git, Azure Cloud</a:t>
+            </a:r>
+          </a:p>
+          <a:p>
+            <a:pPr marL="457200" lvl="1" indent="0">
+              <a:buNone/>
+            </a:pPr>
+            <a:endParaRPr lang="en-IN" sz="1400" dirty="0"/>
+          </a:p>
+          <a:p>
+            <a:pPr marL="457200" lvl="1" indent="0">
+              <a:buNone/>
+            </a:pPr>
+            <a:r>
+              <a:rPr lang="en-IN" sz="1400" dirty="0"/>
+              <a:t>Challenges</a:t>
+            </a:r>
+          </a:p>
+          <a:p>
+            <a:pPr marL="457200" lvl="1" indent="0">
+              <a:buNone/>
+            </a:pPr>
+            <a:r>
+              <a:rPr lang="en-IN" sz="1400" dirty="0"/>
+              <a:t>CLIMADA Integration</a:t>
+            </a:r>
+          </a:p>
+          <a:p>
+            <a:pPr marL="457200" lvl="1" indent="0">
+              <a:buNone/>
+            </a:pPr>
+            <a:r>
+              <a:rPr lang="en-IN" sz="1400" dirty="0"/>
+              <a:t>Lack of open source data on ESG</a:t>
+            </a:r>
+          </a:p>
+          <a:p>
+            <a:pPr marL="457200" lvl="1" indent="0">
+              <a:buNone/>
+            </a:pPr>
+            <a:r>
+              <a:rPr lang="en-IN" sz="1400" dirty="0"/>
+              <a:t>Steep domain learning curve </a:t>
+            </a:r>
+          </a:p>
+        </p:txBody>
+      </p:sp>
     </p:spTree>
     <p:extLst>
       <p:ext uri="{BB962C8B-B14F-4D97-AF65-F5344CB8AC3E}">
-        <p14:creationId xmlns:p14="http://schemas.microsoft.com/office/powerpoint/2010/main" val="3556808295"/>
-      </p:ext>
-    </p:extLst>
-  </p:cSld>
-  <p:clrMapOvr>
-    <a:masterClrMapping/>
-  </p:clrMapOvr>
-</p:sld>
-</file>
-
-<file path=ppt/slides/slide6.xml><?xml version="1.0" encoding="utf-8"?>
-<p:sld xmlns:a="http://schemas.openxmlformats.org/drawingml/2006/main" xmlns:r="http://schemas.openxmlformats.org/officeDocument/2006/relationships" xmlns:p="http://schemas.openxmlformats.org/presentationml/2006/main">
-  <p:cSld>
-    <p:spTree>
-      <p:nvGrpSpPr>
-        <p:cNvPr id="1" name=""/>
-        <p:cNvGrpSpPr/>
-        <p:nvPr/>
-      </p:nvGrpSpPr>
-      <p:grpSpPr>
-        <a:xfrm>
-          <a:off x="0" y="0"/>
-          <a:ext cx="0" cy="0"/>
-          <a:chOff x="0" y="0"/>
-          <a:chExt cx="0" cy="0"/>
-        </a:xfrm>
-      </p:grpSpPr>
-      <p:sp>
-        <p:nvSpPr>
-          <p:cNvPr id="8" name="Content Placeholder 7">
-            <a:extLst>
-              <a:ext uri="{FF2B5EF4-FFF2-40B4-BE49-F238E27FC236}">
-                <a16:creationId xmlns:a16="http://schemas.microsoft.com/office/drawing/2014/main" id="{49D9C47F-9B07-8F2B-6740-C514461C25E1}"/>
-              </a:ext>
-            </a:extLst>
-          </p:cNvPr>
-          <p:cNvSpPr>
-            <a:spLocks noGrp="1"/>
-          </p:cNvSpPr>
-          <p:nvPr>
-            <p:ph idx="1"/>
-          </p:nvPr>
-        </p:nvSpPr>
-        <p:spPr>
-          <a:xfrm>
-            <a:off x="838200" y="233680"/>
-            <a:ext cx="10515600" cy="5943283"/>
-          </a:xfrm>
-        </p:spPr>
-        <p:txBody>
-          <a:bodyPr>
-            <a:noAutofit/>
-          </a:bodyPr>
-          <a:lstStyle/>
-          <a:p>
-            <a:pPr marL="457200" lvl="1" indent="0">
-              <a:buNone/>
-            </a:pPr>
-            <a:endParaRPr lang="en-IN" sz="1400" dirty="0"/>
-          </a:p>
-          <a:p>
-            <a:pPr marL="457200" lvl="1" indent="0">
-              <a:buNone/>
-            </a:pPr>
-            <a:endParaRPr lang="en-IN" sz="1400" dirty="0"/>
-          </a:p>
-          <a:p>
-            <a:pPr marL="914400" lvl="1" indent="-457200">
-              <a:buAutoNum type="arabicPeriod"/>
-            </a:pPr>
-            <a:endParaRPr lang="en-IN" sz="1400" dirty="0"/>
-          </a:p>
-          <a:p>
-            <a:pPr marL="914400" lvl="1" indent="-457200">
-              <a:buAutoNum type="arabicPeriod"/>
-            </a:pPr>
-            <a:endParaRPr lang="en-IN" sz="1400" dirty="0"/>
-          </a:p>
-          <a:p>
-            <a:endParaRPr lang="en-IN" sz="1400" dirty="0"/>
-          </a:p>
-          <a:p>
-            <a:pPr marL="0" indent="0">
-              <a:buNone/>
-            </a:pPr>
-            <a:endParaRPr lang="en-IN" sz="1400" dirty="0"/>
-          </a:p>
-          <a:p>
-            <a:endParaRPr lang="en-IN" sz="1400" dirty="0"/>
-          </a:p>
-          <a:p>
-            <a:endParaRPr lang="en-IN" sz="1400" dirty="0"/>
-          </a:p>
-        </p:txBody>
-      </p:sp>
-      <p:pic>
-        <p:nvPicPr>
-          <p:cNvPr id="6" name="Picture 5">
-            <a:extLst>
-              <a:ext uri="{FF2B5EF4-FFF2-40B4-BE49-F238E27FC236}">
-                <a16:creationId xmlns:a16="http://schemas.microsoft.com/office/drawing/2014/main" id="{F7E3A718-1505-5898-0CA8-237E4D8E693A}"/>
-              </a:ext>
-            </a:extLst>
-          </p:cNvPr>
-          <p:cNvPicPr>
-            <a:picLocks noChangeAspect="1"/>
-          </p:cNvPicPr>
-          <p:nvPr/>
-        </p:nvPicPr>
-        <p:blipFill>
-          <a:blip r:embed="rId2"/>
-          <a:stretch>
-            <a:fillRect/>
-          </a:stretch>
-        </p:blipFill>
-        <p:spPr>
-          <a:xfrm>
-            <a:off x="6672093" y="2146058"/>
-            <a:ext cx="6591639" cy="4711942"/>
-          </a:xfrm>
-          <a:prstGeom prst="rect">
-            <a:avLst/>
-          </a:prstGeom>
-        </p:spPr>
-      </p:pic>
-    </p:spTree>
-    <p:extLst>
-      <p:ext uri="{BB962C8B-B14F-4D97-AF65-F5344CB8AC3E}">
-        <p14:creationId xmlns:p14="http://schemas.microsoft.com/office/powerpoint/2010/main" val="1025412001"/>
+        <p14:creationId xmlns:p14="http://schemas.microsoft.com/office/powerpoint/2010/main" val="1771786516"/>
       </p:ext>
     </p:extLst>
   </p:cSld>

--- a/EsgPrez.pptx
+++ b/EsgPrez.pptx
@@ -9,7 +9,7 @@
     <p:sldId id="256" r:id="rId3"/>
     <p:sldId id="262" r:id="rId4"/>
     <p:sldId id="258" r:id="rId5"/>
-    <p:sldId id="259" r:id="rId6"/>
+    <p:sldId id="263" r:id="rId6"/>
   </p:sldIdLst>
   <p:sldSz cx="12192000" cy="6858000"/>
   <p:notesSz cx="6858000" cy="9144000"/>
@@ -265,7 +265,7 @@
           <a:p>
             <a:fld id="{CD6DDE97-F17F-4554-AE37-0B433544C7CD}" type="datetimeFigureOut">
               <a:rPr lang="en-IN" smtClean="0"/>
-              <a:t>27-03-2023</a:t>
+              <a:t>28-03-2023</a:t>
             </a:fld>
             <a:endParaRPr lang="en-IN"/>
           </a:p>
@@ -465,7 +465,7 @@
           <a:p>
             <a:fld id="{CD6DDE97-F17F-4554-AE37-0B433544C7CD}" type="datetimeFigureOut">
               <a:rPr lang="en-IN" smtClean="0"/>
-              <a:t>27-03-2023</a:t>
+              <a:t>28-03-2023</a:t>
             </a:fld>
             <a:endParaRPr lang="en-IN"/>
           </a:p>
@@ -675,7 +675,7 @@
           <a:p>
             <a:fld id="{CD6DDE97-F17F-4554-AE37-0B433544C7CD}" type="datetimeFigureOut">
               <a:rPr lang="en-IN" smtClean="0"/>
-              <a:t>27-03-2023</a:t>
+              <a:t>28-03-2023</a:t>
             </a:fld>
             <a:endParaRPr lang="en-IN"/>
           </a:p>
@@ -875,7 +875,7 @@
           <a:p>
             <a:fld id="{CD6DDE97-F17F-4554-AE37-0B433544C7CD}" type="datetimeFigureOut">
               <a:rPr lang="en-IN" smtClean="0"/>
-              <a:t>27-03-2023</a:t>
+              <a:t>28-03-2023</a:t>
             </a:fld>
             <a:endParaRPr lang="en-IN"/>
           </a:p>
@@ -1151,7 +1151,7 @@
           <a:p>
             <a:fld id="{CD6DDE97-F17F-4554-AE37-0B433544C7CD}" type="datetimeFigureOut">
               <a:rPr lang="en-IN" smtClean="0"/>
-              <a:t>27-03-2023</a:t>
+              <a:t>28-03-2023</a:t>
             </a:fld>
             <a:endParaRPr lang="en-IN"/>
           </a:p>
@@ -1419,7 +1419,7 @@
           <a:p>
             <a:fld id="{CD6DDE97-F17F-4554-AE37-0B433544C7CD}" type="datetimeFigureOut">
               <a:rPr lang="en-IN" smtClean="0"/>
-              <a:t>27-03-2023</a:t>
+              <a:t>28-03-2023</a:t>
             </a:fld>
             <a:endParaRPr lang="en-IN"/>
           </a:p>
@@ -1834,7 +1834,7 @@
           <a:p>
             <a:fld id="{CD6DDE97-F17F-4554-AE37-0B433544C7CD}" type="datetimeFigureOut">
               <a:rPr lang="en-IN" smtClean="0"/>
-              <a:t>27-03-2023</a:t>
+              <a:t>28-03-2023</a:t>
             </a:fld>
             <a:endParaRPr lang="en-IN"/>
           </a:p>
@@ -1976,7 +1976,7 @@
           <a:p>
             <a:fld id="{CD6DDE97-F17F-4554-AE37-0B433544C7CD}" type="datetimeFigureOut">
               <a:rPr lang="en-IN" smtClean="0"/>
-              <a:t>27-03-2023</a:t>
+              <a:t>28-03-2023</a:t>
             </a:fld>
             <a:endParaRPr lang="en-IN"/>
           </a:p>
@@ -2089,7 +2089,7 @@
           <a:p>
             <a:fld id="{CD6DDE97-F17F-4554-AE37-0B433544C7CD}" type="datetimeFigureOut">
               <a:rPr lang="en-IN" smtClean="0"/>
-              <a:t>27-03-2023</a:t>
+              <a:t>28-03-2023</a:t>
             </a:fld>
             <a:endParaRPr lang="en-IN"/>
           </a:p>
@@ -2402,7 +2402,7 @@
           <a:p>
             <a:fld id="{CD6DDE97-F17F-4554-AE37-0B433544C7CD}" type="datetimeFigureOut">
               <a:rPr lang="en-IN" smtClean="0"/>
-              <a:t>27-03-2023</a:t>
+              <a:t>28-03-2023</a:t>
             </a:fld>
             <a:endParaRPr lang="en-IN"/>
           </a:p>
@@ -2691,7 +2691,7 @@
           <a:p>
             <a:fld id="{CD6DDE97-F17F-4554-AE37-0B433544C7CD}" type="datetimeFigureOut">
               <a:rPr lang="en-IN" smtClean="0"/>
-              <a:t>27-03-2023</a:t>
+              <a:t>28-03-2023</a:t>
             </a:fld>
             <a:endParaRPr lang="en-IN"/>
           </a:p>
@@ -2940,7 +2940,7 @@
           <a:p>
             <a:fld id="{CD6DDE97-F17F-4554-AE37-0B433544C7CD}" type="datetimeFigureOut">
               <a:rPr lang="en-IN" smtClean="0"/>
-              <a:t>27-03-2023</a:t>
+              <a:t>28-03-2023</a:t>
             </a:fld>
             <a:endParaRPr lang="en-IN"/>
           </a:p>
@@ -3788,8 +3788,8 @@
         </p:nvGrpSpPr>
         <p:grpSpPr>
           <a:xfrm>
-            <a:off x="2544512" y="4377144"/>
-            <a:ext cx="1017294" cy="949014"/>
+            <a:off x="2544512" y="4310745"/>
+            <a:ext cx="1017294" cy="1113387"/>
             <a:chOff x="4827361" y="2873519"/>
             <a:chExt cx="1820800" cy="1575206"/>
           </a:xfrm>
@@ -3977,7 +3977,7 @@
         </p:nvGrpSpPr>
         <p:grpSpPr>
           <a:xfrm>
-            <a:off x="3785225" y="4173279"/>
+            <a:off x="3789189" y="4107963"/>
             <a:ext cx="1085577" cy="1018749"/>
             <a:chOff x="4090977" y="2873519"/>
             <a:chExt cx="1820788" cy="1575206"/>
@@ -4395,7 +4395,7 @@
         </p:nvSpPr>
         <p:spPr>
           <a:xfrm>
-            <a:off x="4099448" y="3694858"/>
+            <a:off x="4103412" y="3629542"/>
             <a:ext cx="600211" cy="523220"/>
           </a:xfrm>
           <a:prstGeom prst="rect">
@@ -4875,8 +4875,8 @@
         </p:nvSpPr>
         <p:spPr>
           <a:xfrm>
-            <a:off x="3848986" y="83328"/>
-            <a:ext cx="8973879" cy="523220"/>
+            <a:off x="3848987" y="83328"/>
+            <a:ext cx="3847214" cy="523220"/>
           </a:xfrm>
           <a:prstGeom prst="rect">
             <a:avLst/>
@@ -4953,8 +4953,8 @@
         </p:nvSpPr>
         <p:spPr>
           <a:xfrm>
-            <a:off x="838200" y="233680"/>
-            <a:ext cx="10515600" cy="5943283"/>
+            <a:off x="424543" y="233680"/>
+            <a:ext cx="10929257" cy="550091"/>
           </a:xfrm>
         </p:spPr>
         <p:txBody>
@@ -5025,8 +5025,8 @@
         </p:blipFill>
         <p:spPr>
           <a:xfrm>
-            <a:off x="115157" y="423164"/>
-            <a:ext cx="5980843" cy="6011672"/>
+            <a:off x="115157" y="783770"/>
+            <a:ext cx="5980843" cy="5890555"/>
           </a:xfrm>
           <a:prstGeom prst="rect">
             <a:avLst/>
@@ -5055,14 +5055,58 @@
         </p:blipFill>
         <p:spPr>
           <a:xfrm>
-            <a:off x="6243963" y="423164"/>
-            <a:ext cx="5832880" cy="3902883"/>
+            <a:off x="6243963" y="783770"/>
+            <a:ext cx="5832880" cy="3847077"/>
           </a:xfrm>
           <a:prstGeom prst="rect">
             <a:avLst/>
           </a:prstGeom>
         </p:spPr>
       </p:pic>
+      <p:sp>
+        <p:nvSpPr>
+          <p:cNvPr id="2" name="TextBox 1">
+            <a:extLst>
+              <a:ext uri="{FF2B5EF4-FFF2-40B4-BE49-F238E27FC236}">
+                <a16:creationId xmlns:a16="http://schemas.microsoft.com/office/drawing/2014/main" id="{FFC7284F-71D2-C90F-F5D3-B06E19FCB370}"/>
+              </a:ext>
+            </a:extLst>
+          </p:cNvPr>
+          <p:cNvSpPr txBox="1"/>
+          <p:nvPr/>
+        </p:nvSpPr>
+        <p:spPr>
+          <a:xfrm>
+            <a:off x="3848987" y="83328"/>
+            <a:ext cx="3847214" cy="523220"/>
+          </a:xfrm>
+          <a:prstGeom prst="rect">
+            <a:avLst/>
+          </a:prstGeom>
+          <a:noFill/>
+        </p:spPr>
+        <p:txBody>
+          <a:bodyPr wrap="square" rtlCol="0">
+            <a:spAutoFit/>
+          </a:bodyPr>
+          <a:lstStyle/>
+          <a:p>
+            <a:r>
+              <a:rPr lang="en-GB" sz="2800" b="1" dirty="0">
+                <a:solidFill>
+                  <a:srgbClr val="0070C0"/>
+                </a:solidFill>
+              </a:rPr>
+              <a:t>Dealing with ESG Impact</a:t>
+            </a:r>
+            <a:endParaRPr lang="en-IN" sz="2800" b="1" dirty="0">
+              <a:solidFill>
+                <a:srgbClr val="0070C0"/>
+              </a:solidFill>
+            </a:endParaRPr>
+          </a:p>
+        </p:txBody>
+      </p:sp>
     </p:spTree>
     <p:extLst>
       <p:ext uri="{BB962C8B-B14F-4D97-AF65-F5344CB8AC3E}">
@@ -5111,8 +5155,8 @@
         </p:nvSpPr>
         <p:spPr>
           <a:xfrm>
-            <a:off x="280416" y="91440"/>
-            <a:ext cx="11725656" cy="6419088"/>
+            <a:off x="280416" y="794183"/>
+            <a:ext cx="5815584" cy="5889645"/>
           </a:xfrm>
         </p:spPr>
         <p:txBody>
@@ -5125,77 +5169,117 @@
               <a:buNone/>
             </a:pPr>
             <a:r>
+              <a:rPr lang="en-IN" sz="2000" b="1" dirty="0"/>
+              <a:t>Our Approach</a:t>
+            </a:r>
+          </a:p>
+          <a:p>
+            <a:pPr lvl="1">
+              <a:spcBef>
+                <a:spcPts val="1200"/>
+              </a:spcBef>
+            </a:pPr>
+            <a:r>
               <a:rPr lang="en-IN" sz="1800" dirty="0"/>
-              <a:t>Our Approach</a:t>
-            </a:r>
-          </a:p>
-          <a:p>
-            <a:pPr lvl="1"/>
-            <a:r>
-              <a:rPr lang="en-IN" sz="1400" dirty="0"/>
               <a:t>Prepared a diverse portfolio with 680 tickers </a:t>
             </a:r>
           </a:p>
           <a:p>
-            <a:pPr lvl="1"/>
-            <a:r>
-              <a:rPr lang="en-IN" sz="1400" dirty="0"/>
+            <a:pPr lvl="1">
+              <a:spcBef>
+                <a:spcPts val="1200"/>
+              </a:spcBef>
+            </a:pPr>
+            <a:r>
+              <a:rPr lang="en-IN" sz="1800" dirty="0"/>
               <a:t>We have used Yahoo Finance, S&amp;P to get the tickers detail</a:t>
             </a:r>
           </a:p>
           <a:p>
-            <a:pPr lvl="1"/>
-            <a:r>
-              <a:rPr lang="en-IN" sz="1400" dirty="0"/>
+            <a:pPr lvl="1">
+              <a:spcBef>
+                <a:spcPts val="1200"/>
+              </a:spcBef>
+            </a:pPr>
+            <a:r>
+              <a:rPr lang="en-IN" sz="1800" dirty="0"/>
               <a:t>Using CLIMADA libraries for Impact/Damage ratio calculation </a:t>
             </a:r>
           </a:p>
           <a:p>
-            <a:pPr lvl="1"/>
-            <a:r>
-              <a:rPr lang="en-IN" sz="1400" dirty="0"/>
+            <a:pPr lvl="1">
+              <a:spcBef>
+                <a:spcPts val="1200"/>
+              </a:spcBef>
+            </a:pPr>
+            <a:r>
+              <a:rPr lang="en-IN" sz="1800" dirty="0"/>
               <a:t>Calculating total ESG scores for each ticker</a:t>
             </a:r>
           </a:p>
           <a:p>
-            <a:pPr lvl="1"/>
-            <a:r>
-              <a:rPr lang="en-IN" sz="1400" dirty="0"/>
+            <a:pPr lvl="1">
+              <a:spcBef>
+                <a:spcPts val="1200"/>
+              </a:spcBef>
+            </a:pPr>
+            <a:r>
+              <a:rPr lang="en-IN" sz="1800" dirty="0"/>
               <a:t>On based on above we have derived portfolio weights- Portfolio Index </a:t>
             </a:r>
           </a:p>
           <a:p>
-            <a:pPr lvl="1"/>
-            <a:r>
-              <a:rPr lang="en-IN" sz="1400" dirty="0"/>
+            <a:pPr lvl="1">
+              <a:spcBef>
+                <a:spcPts val="1200"/>
+              </a:spcBef>
+            </a:pPr>
+            <a:r>
+              <a:rPr lang="en-IN" sz="1800" dirty="0"/>
               <a:t>Added a New ticker from UI</a:t>
             </a:r>
           </a:p>
           <a:p>
-            <a:pPr lvl="1"/>
-            <a:r>
-              <a:rPr lang="en-IN" sz="1400" dirty="0"/>
+            <a:pPr lvl="1">
+              <a:spcBef>
+                <a:spcPts val="1200"/>
+              </a:spcBef>
+            </a:pPr>
+            <a:r>
+              <a:rPr lang="en-IN" sz="1800" dirty="0"/>
               <a:t>Recalculated portfolio index based on ESG scores</a:t>
             </a:r>
           </a:p>
           <a:p>
-            <a:pPr lvl="1"/>
-            <a:r>
-              <a:rPr lang="en-IN" sz="1400" dirty="0"/>
+            <a:pPr lvl="1">
+              <a:spcBef>
+                <a:spcPts val="1200"/>
+              </a:spcBef>
+            </a:pPr>
+            <a:r>
+              <a:rPr lang="en-IN" sz="1800" dirty="0"/>
               <a:t>Historic performance comparison between S&amp;P 500 and our port folio - Graph View</a:t>
             </a:r>
           </a:p>
           <a:p>
-            <a:pPr lvl="1"/>
-            <a:r>
-              <a:rPr lang="en-IN" sz="1400" dirty="0"/>
+            <a:pPr lvl="1">
+              <a:spcBef>
+                <a:spcPts val="1200"/>
+              </a:spcBef>
+            </a:pPr>
+            <a:r>
+              <a:rPr lang="en-IN" sz="1800" dirty="0"/>
               <a:t>Portfolio impact when an ESG event occurs – Graph View </a:t>
             </a:r>
           </a:p>
           <a:p>
-            <a:pPr lvl="1"/>
-            <a:r>
-              <a:rPr lang="en-IN" sz="1400" dirty="0"/>
+            <a:pPr lvl="1">
+              <a:spcBef>
+                <a:spcPts val="1200"/>
+              </a:spcBef>
+            </a:pPr>
+            <a:r>
+              <a:rPr lang="en-IN" sz="1800" dirty="0"/>
               <a:t>Projecting future prices using Linear regression  - Graph View</a:t>
             </a:r>
           </a:p>
@@ -5203,10 +5287,7 @@
             <a:pPr marL="0" indent="0">
               <a:buNone/>
             </a:pPr>
-            <a:r>
-              <a:rPr lang="en-IN" sz="1800" dirty="0"/>
-              <a:t>Architecture Diagram</a:t>
-            </a:r>
+            <a:endParaRPr lang="en-IN" sz="1800" dirty="0"/>
           </a:p>
           <a:p>
             <a:pPr marL="457200" lvl="1" indent="0">
@@ -5251,10 +5332,457 @@
       </p:sp>
       <p:sp>
         <p:nvSpPr>
-          <p:cNvPr id="2" name="Rectangle: Rounded Corners 1">
-            <a:extLst>
-              <a:ext uri="{FF2B5EF4-FFF2-40B4-BE49-F238E27FC236}">
-                <a16:creationId xmlns:a16="http://schemas.microsoft.com/office/drawing/2014/main" id="{045C0D01-BFD6-3487-3A7A-0D66A10D9DD2}"/>
+          <p:cNvPr id="16" name="Content Placeholder 7">
+            <a:extLst>
+              <a:ext uri="{FF2B5EF4-FFF2-40B4-BE49-F238E27FC236}">
+                <a16:creationId xmlns:a16="http://schemas.microsoft.com/office/drawing/2014/main" id="{ED0FC857-944D-360C-941C-F3000E4FD8E1}"/>
+              </a:ext>
+            </a:extLst>
+          </p:cNvPr>
+          <p:cNvSpPr txBox="1">
+            <a:spLocks/>
+          </p:cNvSpPr>
+          <p:nvPr/>
+        </p:nvSpPr>
+        <p:spPr>
+          <a:xfrm>
+            <a:off x="6562791" y="934685"/>
+            <a:ext cx="5815584" cy="6592389"/>
+          </a:xfrm>
+          <a:prstGeom prst="rect">
+            <a:avLst/>
+          </a:prstGeom>
+        </p:spPr>
+        <p:txBody>
+          <a:bodyPr vert="horz" lIns="91440" tIns="45720" rIns="91440" bIns="45720" rtlCol="0">
+            <a:noAutofit/>
+          </a:bodyPr>
+          <a:lstStyle>
+            <a:lvl1pPr marL="228600" indent="-228600" algn="l" defTabSz="914400" rtl="0" eaLnBrk="1" latinLnBrk="0" hangingPunct="1">
+              <a:lnSpc>
+                <a:spcPct val="90000"/>
+              </a:lnSpc>
+              <a:spcBef>
+                <a:spcPts val="1000"/>
+              </a:spcBef>
+              <a:buFont typeface="Arial" panose="020B0604020202020204" pitchFamily="34" charset="0"/>
+              <a:buChar char="•"/>
+              <a:defRPr sz="2800" kern="1200">
+                <a:solidFill>
+                  <a:schemeClr val="tx1"/>
+                </a:solidFill>
+                <a:latin typeface="+mn-lt"/>
+                <a:ea typeface="+mn-ea"/>
+                <a:cs typeface="+mn-cs"/>
+              </a:defRPr>
+            </a:lvl1pPr>
+            <a:lvl2pPr marL="685800" indent="-228600" algn="l" defTabSz="914400" rtl="0" eaLnBrk="1" latinLnBrk="0" hangingPunct="1">
+              <a:lnSpc>
+                <a:spcPct val="90000"/>
+              </a:lnSpc>
+              <a:spcBef>
+                <a:spcPts val="500"/>
+              </a:spcBef>
+              <a:buFont typeface="Arial" panose="020B0604020202020204" pitchFamily="34" charset="0"/>
+              <a:buChar char="•"/>
+              <a:defRPr sz="2400" kern="1200">
+                <a:solidFill>
+                  <a:schemeClr val="tx1"/>
+                </a:solidFill>
+                <a:latin typeface="+mn-lt"/>
+                <a:ea typeface="+mn-ea"/>
+                <a:cs typeface="+mn-cs"/>
+              </a:defRPr>
+            </a:lvl2pPr>
+            <a:lvl3pPr marL="1143000" indent="-228600" algn="l" defTabSz="914400" rtl="0" eaLnBrk="1" latinLnBrk="0" hangingPunct="1">
+              <a:lnSpc>
+                <a:spcPct val="90000"/>
+              </a:lnSpc>
+              <a:spcBef>
+                <a:spcPts val="500"/>
+              </a:spcBef>
+              <a:buFont typeface="Arial" panose="020B0604020202020204" pitchFamily="34" charset="0"/>
+              <a:buChar char="•"/>
+              <a:defRPr sz="2000" kern="1200">
+                <a:solidFill>
+                  <a:schemeClr val="tx1"/>
+                </a:solidFill>
+                <a:latin typeface="+mn-lt"/>
+                <a:ea typeface="+mn-ea"/>
+                <a:cs typeface="+mn-cs"/>
+              </a:defRPr>
+            </a:lvl3pPr>
+            <a:lvl4pPr marL="1600200" indent="-228600" algn="l" defTabSz="914400" rtl="0" eaLnBrk="1" latinLnBrk="0" hangingPunct="1">
+              <a:lnSpc>
+                <a:spcPct val="90000"/>
+              </a:lnSpc>
+              <a:spcBef>
+                <a:spcPts val="500"/>
+              </a:spcBef>
+              <a:buFont typeface="Arial" panose="020B0604020202020204" pitchFamily="34" charset="0"/>
+              <a:buChar char="•"/>
+              <a:defRPr sz="1800" kern="1200">
+                <a:solidFill>
+                  <a:schemeClr val="tx1"/>
+                </a:solidFill>
+                <a:latin typeface="+mn-lt"/>
+                <a:ea typeface="+mn-ea"/>
+                <a:cs typeface="+mn-cs"/>
+              </a:defRPr>
+            </a:lvl4pPr>
+            <a:lvl5pPr marL="2057400" indent="-228600" algn="l" defTabSz="914400" rtl="0" eaLnBrk="1" latinLnBrk="0" hangingPunct="1">
+              <a:lnSpc>
+                <a:spcPct val="90000"/>
+              </a:lnSpc>
+              <a:spcBef>
+                <a:spcPts val="500"/>
+              </a:spcBef>
+              <a:buFont typeface="Arial" panose="020B0604020202020204" pitchFamily="34" charset="0"/>
+              <a:buChar char="•"/>
+              <a:defRPr sz="1800" kern="1200">
+                <a:solidFill>
+                  <a:schemeClr val="tx1"/>
+                </a:solidFill>
+                <a:latin typeface="+mn-lt"/>
+                <a:ea typeface="+mn-ea"/>
+                <a:cs typeface="+mn-cs"/>
+              </a:defRPr>
+            </a:lvl5pPr>
+            <a:lvl6pPr marL="2514600" indent="-228600" algn="l" defTabSz="914400" rtl="0" eaLnBrk="1" latinLnBrk="0" hangingPunct="1">
+              <a:lnSpc>
+                <a:spcPct val="90000"/>
+              </a:lnSpc>
+              <a:spcBef>
+                <a:spcPts val="500"/>
+              </a:spcBef>
+              <a:buFont typeface="Arial" panose="020B0604020202020204" pitchFamily="34" charset="0"/>
+              <a:buChar char="•"/>
+              <a:defRPr sz="1800" kern="1200">
+                <a:solidFill>
+                  <a:schemeClr val="tx1"/>
+                </a:solidFill>
+                <a:latin typeface="+mn-lt"/>
+                <a:ea typeface="+mn-ea"/>
+                <a:cs typeface="+mn-cs"/>
+              </a:defRPr>
+            </a:lvl6pPr>
+            <a:lvl7pPr marL="2971800" indent="-228600" algn="l" defTabSz="914400" rtl="0" eaLnBrk="1" latinLnBrk="0" hangingPunct="1">
+              <a:lnSpc>
+                <a:spcPct val="90000"/>
+              </a:lnSpc>
+              <a:spcBef>
+                <a:spcPts val="500"/>
+              </a:spcBef>
+              <a:buFont typeface="Arial" panose="020B0604020202020204" pitchFamily="34" charset="0"/>
+              <a:buChar char="•"/>
+              <a:defRPr sz="1800" kern="1200">
+                <a:solidFill>
+                  <a:schemeClr val="tx1"/>
+                </a:solidFill>
+                <a:latin typeface="+mn-lt"/>
+                <a:ea typeface="+mn-ea"/>
+                <a:cs typeface="+mn-cs"/>
+              </a:defRPr>
+            </a:lvl7pPr>
+            <a:lvl8pPr marL="3429000" indent="-228600" algn="l" defTabSz="914400" rtl="0" eaLnBrk="1" latinLnBrk="0" hangingPunct="1">
+              <a:lnSpc>
+                <a:spcPct val="90000"/>
+              </a:lnSpc>
+              <a:spcBef>
+                <a:spcPts val="500"/>
+              </a:spcBef>
+              <a:buFont typeface="Arial" panose="020B0604020202020204" pitchFamily="34" charset="0"/>
+              <a:buChar char="•"/>
+              <a:defRPr sz="1800" kern="1200">
+                <a:solidFill>
+                  <a:schemeClr val="tx1"/>
+                </a:solidFill>
+                <a:latin typeface="+mn-lt"/>
+                <a:ea typeface="+mn-ea"/>
+                <a:cs typeface="+mn-cs"/>
+              </a:defRPr>
+            </a:lvl8pPr>
+            <a:lvl9pPr marL="3886200" indent="-228600" algn="l" defTabSz="914400" rtl="0" eaLnBrk="1" latinLnBrk="0" hangingPunct="1">
+              <a:lnSpc>
+                <a:spcPct val="90000"/>
+              </a:lnSpc>
+              <a:spcBef>
+                <a:spcPts val="500"/>
+              </a:spcBef>
+              <a:buFont typeface="Arial" panose="020B0604020202020204" pitchFamily="34" charset="0"/>
+              <a:buChar char="•"/>
+              <a:defRPr sz="1800" kern="1200">
+                <a:solidFill>
+                  <a:schemeClr val="tx1"/>
+                </a:solidFill>
+                <a:latin typeface="+mn-lt"/>
+                <a:ea typeface="+mn-ea"/>
+                <a:cs typeface="+mn-cs"/>
+              </a:defRPr>
+            </a:lvl9pPr>
+          </a:lstStyle>
+          <a:p>
+            <a:pPr marL="0" indent="0">
+              <a:buFont typeface="Arial" panose="020B0604020202020204" pitchFamily="34" charset="0"/>
+              <a:buNone/>
+            </a:pPr>
+            <a:endParaRPr lang="en-IN" sz="1400" dirty="0"/>
+          </a:p>
+          <a:p>
+            <a:pPr marL="0" indent="0">
+              <a:buFont typeface="Arial" panose="020B0604020202020204" pitchFamily="34" charset="0"/>
+              <a:buNone/>
+            </a:pPr>
+            <a:endParaRPr lang="en-IN" sz="1800" dirty="0"/>
+          </a:p>
+          <a:p>
+            <a:pPr marL="457200" lvl="1" indent="0">
+              <a:buFont typeface="Arial" panose="020B0604020202020204" pitchFamily="34" charset="0"/>
+              <a:buNone/>
+            </a:pPr>
+            <a:endParaRPr lang="en-IN" sz="1400" dirty="0"/>
+          </a:p>
+          <a:p>
+            <a:pPr marL="457200" lvl="1" indent="0">
+              <a:buFont typeface="Arial" panose="020B0604020202020204" pitchFamily="34" charset="0"/>
+              <a:buNone/>
+            </a:pPr>
+            <a:endParaRPr lang="en-IN" sz="1400" dirty="0"/>
+          </a:p>
+          <a:p>
+            <a:pPr marL="914400" lvl="1" indent="-457200">
+              <a:buFont typeface="Arial" panose="020B0604020202020204" pitchFamily="34" charset="0"/>
+              <a:buAutoNum type="arabicPeriod"/>
+            </a:pPr>
+            <a:endParaRPr lang="en-IN" sz="1400" dirty="0"/>
+          </a:p>
+          <a:p>
+            <a:pPr marL="914400" lvl="1" indent="-457200">
+              <a:buFont typeface="Arial" panose="020B0604020202020204" pitchFamily="34" charset="0"/>
+              <a:buAutoNum type="arabicPeriod"/>
+            </a:pPr>
+            <a:endParaRPr lang="en-IN" sz="1400" dirty="0"/>
+          </a:p>
+          <a:p>
+            <a:endParaRPr lang="en-IN" sz="1400" dirty="0"/>
+          </a:p>
+          <a:p>
+            <a:pPr marL="0" indent="0">
+              <a:buFont typeface="Arial" panose="020B0604020202020204" pitchFamily="34" charset="0"/>
+              <a:buNone/>
+            </a:pPr>
+            <a:endParaRPr lang="en-IN" sz="1400" dirty="0"/>
+          </a:p>
+          <a:p>
+            <a:endParaRPr lang="en-IN" sz="1400" dirty="0"/>
+          </a:p>
+          <a:p>
+            <a:endParaRPr lang="en-IN" sz="1400" dirty="0"/>
+          </a:p>
+        </p:txBody>
+      </p:sp>
+      <p:sp>
+        <p:nvSpPr>
+          <p:cNvPr id="18" name="TextBox 17">
+            <a:extLst>
+              <a:ext uri="{FF2B5EF4-FFF2-40B4-BE49-F238E27FC236}">
+                <a16:creationId xmlns:a16="http://schemas.microsoft.com/office/drawing/2014/main" id="{993100CE-4988-CC7E-C09A-B8CF7421C855}"/>
+              </a:ext>
+            </a:extLst>
+          </p:cNvPr>
+          <p:cNvSpPr txBox="1"/>
+          <p:nvPr/>
+        </p:nvSpPr>
+        <p:spPr>
+          <a:xfrm>
+            <a:off x="3295577" y="94546"/>
+            <a:ext cx="5033756" cy="523220"/>
+          </a:xfrm>
+          <a:prstGeom prst="rect">
+            <a:avLst/>
+          </a:prstGeom>
+          <a:noFill/>
+        </p:spPr>
+        <p:txBody>
+          <a:bodyPr wrap="square" rtlCol="0">
+            <a:spAutoFit/>
+          </a:bodyPr>
+          <a:lstStyle/>
+          <a:p>
+            <a:r>
+              <a:rPr lang="en-GB" sz="2800" b="1" dirty="0">
+                <a:solidFill>
+                  <a:srgbClr val="0070C0"/>
+                </a:solidFill>
+              </a:rPr>
+              <a:t>GRAPPHITE Engine – Explained!</a:t>
+            </a:r>
+            <a:endParaRPr lang="en-IN" sz="2800" b="1" dirty="0">
+              <a:solidFill>
+                <a:srgbClr val="0070C0"/>
+              </a:solidFill>
+            </a:endParaRPr>
+          </a:p>
+        </p:txBody>
+      </p:sp>
+      <p:sp>
+        <p:nvSpPr>
+          <p:cNvPr id="19" name="TextBox 18">
+            <a:extLst>
+              <a:ext uri="{FF2B5EF4-FFF2-40B4-BE49-F238E27FC236}">
+                <a16:creationId xmlns:a16="http://schemas.microsoft.com/office/drawing/2014/main" id="{044A97D1-75A4-4D77-7099-1CDE9B4BD4CA}"/>
+              </a:ext>
+            </a:extLst>
+          </p:cNvPr>
+          <p:cNvSpPr txBox="1"/>
+          <p:nvPr/>
+        </p:nvSpPr>
+        <p:spPr>
+          <a:xfrm>
+            <a:off x="6097122" y="912439"/>
+            <a:ext cx="5814462" cy="4062651"/>
+          </a:xfrm>
+          <a:prstGeom prst="rect">
+            <a:avLst/>
+          </a:prstGeom>
+          <a:noFill/>
+        </p:spPr>
+        <p:txBody>
+          <a:bodyPr wrap="square">
+            <a:spAutoFit/>
+          </a:bodyPr>
+          <a:lstStyle/>
+          <a:p>
+            <a:r>
+              <a:rPr lang="en-IN" sz="2000" b="1" dirty="0"/>
+              <a:t>Assumptions</a:t>
+            </a:r>
+          </a:p>
+          <a:p>
+            <a:endParaRPr lang="en-IN" b="1" dirty="0"/>
+          </a:p>
+          <a:p>
+            <a:pPr lvl="1">
+              <a:spcBef>
+                <a:spcPts val="1200"/>
+              </a:spcBef>
+            </a:pPr>
+            <a:r>
+              <a:rPr lang="en-IN" dirty="0"/>
+              <a:t>We are only considering adding new tickers to portfolio</a:t>
+            </a:r>
+          </a:p>
+          <a:p>
+            <a:pPr lvl="1">
+              <a:spcBef>
+                <a:spcPts val="1200"/>
+              </a:spcBef>
+            </a:pPr>
+            <a:r>
+              <a:rPr lang="en-IN" dirty="0"/>
+              <a:t>We are calculating climate impact on domicile basis</a:t>
+            </a:r>
+          </a:p>
+          <a:p>
+            <a:pPr lvl="1">
+              <a:spcBef>
+                <a:spcPts val="1200"/>
+              </a:spcBef>
+            </a:pPr>
+            <a:r>
+              <a:rPr lang="en-IN" dirty="0"/>
+              <a:t>We are using closing prices for all calculations</a:t>
+            </a:r>
+          </a:p>
+          <a:p>
+            <a:pPr marL="457200" lvl="1" indent="0">
+              <a:buNone/>
+            </a:pPr>
+            <a:endParaRPr lang="en-IN" sz="1400" dirty="0"/>
+          </a:p>
+          <a:p>
+            <a:r>
+              <a:rPr lang="en-IN" sz="2000" b="1" dirty="0"/>
+              <a:t>Challenges</a:t>
+            </a:r>
+          </a:p>
+          <a:p>
+            <a:endParaRPr lang="en-IN" b="1" dirty="0"/>
+          </a:p>
+          <a:p>
+            <a:pPr marL="457200" lvl="1" indent="0">
+              <a:spcBef>
+                <a:spcPts val="1200"/>
+              </a:spcBef>
+              <a:buNone/>
+            </a:pPr>
+            <a:r>
+              <a:rPr lang="en-IN" dirty="0"/>
+              <a:t>CLIMADA Integration</a:t>
+            </a:r>
+          </a:p>
+          <a:p>
+            <a:pPr marL="457200" lvl="1" indent="0">
+              <a:spcBef>
+                <a:spcPts val="1200"/>
+              </a:spcBef>
+              <a:buNone/>
+            </a:pPr>
+            <a:r>
+              <a:rPr lang="en-IN" dirty="0"/>
+              <a:t>Lack of open source data on ESG</a:t>
+            </a:r>
+          </a:p>
+          <a:p>
+            <a:pPr marL="457200" lvl="1" indent="0">
+              <a:spcBef>
+                <a:spcPts val="1200"/>
+              </a:spcBef>
+              <a:buNone/>
+            </a:pPr>
+            <a:r>
+              <a:rPr lang="en-IN" dirty="0"/>
+              <a:t>Steep domain learning curve </a:t>
+            </a:r>
+          </a:p>
+        </p:txBody>
+      </p:sp>
+    </p:spTree>
+    <p:extLst>
+      <p:ext uri="{BB962C8B-B14F-4D97-AF65-F5344CB8AC3E}">
+        <p14:creationId xmlns:p14="http://schemas.microsoft.com/office/powerpoint/2010/main" val="591691343"/>
+      </p:ext>
+    </p:extLst>
+  </p:cSld>
+  <p:clrMapOvr>
+    <a:masterClrMapping/>
+  </p:clrMapOvr>
+</p:sld>
+</file>
+
+<file path=ppt/slides/slide5.xml><?xml version="1.0" encoding="utf-8"?>
+<p:sld xmlns:a="http://schemas.openxmlformats.org/drawingml/2006/main" xmlns:r="http://schemas.openxmlformats.org/officeDocument/2006/relationships" xmlns:p="http://schemas.openxmlformats.org/presentationml/2006/main">
+  <p:cSld>
+    <p:spTree>
+      <p:nvGrpSpPr>
+        <p:cNvPr id="1" name=""/>
+        <p:cNvGrpSpPr/>
+        <p:nvPr/>
+      </p:nvGrpSpPr>
+      <p:grpSpPr>
+        <a:xfrm>
+          <a:off x="0" y="0"/>
+          <a:ext cx="0" cy="0"/>
+          <a:chOff x="0" y="0"/>
+          <a:chExt cx="0" cy="0"/>
+        </a:xfrm>
+      </p:grpSpPr>
+      <p:sp>
+        <p:nvSpPr>
+          <p:cNvPr id="19" name="Rectangle: Diagonal Corners Snipped 18">
+            <a:extLst>
+              <a:ext uri="{FF2B5EF4-FFF2-40B4-BE49-F238E27FC236}">
+                <a16:creationId xmlns:a16="http://schemas.microsoft.com/office/drawing/2014/main" id="{3567538C-2206-BDD5-84B7-E0A364B8B937}"/>
               </a:ext>
             </a:extLst>
           </p:cNvPr>
@@ -5263,8 +5791,328 @@
         </p:nvSpPr>
         <p:spPr>
           <a:xfrm>
-            <a:off x="3063240" y="3264408"/>
-            <a:ext cx="1938528" cy="448056"/>
+            <a:off x="4878321" y="1857382"/>
+            <a:ext cx="6585858" cy="4020710"/>
+          </a:xfrm>
+          <a:prstGeom prst="snip2DiagRect">
+            <a:avLst/>
+          </a:prstGeom>
+          <a:solidFill>
+            <a:schemeClr val="bg1"/>
+          </a:solidFill>
+          <a:ln>
+            <a:solidFill>
+              <a:schemeClr val="accent4">
+                <a:lumMod val="75000"/>
+              </a:schemeClr>
+            </a:solidFill>
+          </a:ln>
+          <a:effectLst>
+            <a:outerShdw blurRad="50800" dist="38100" dir="5400000" algn="t" rotWithShape="0">
+              <a:prstClr val="black">
+                <a:alpha val="40000"/>
+              </a:prstClr>
+            </a:outerShdw>
+          </a:effectLst>
+        </p:spPr>
+        <p:style>
+          <a:lnRef idx="2">
+            <a:schemeClr val="accent1">
+              <a:shade val="50000"/>
+            </a:schemeClr>
+          </a:lnRef>
+          <a:fillRef idx="1">
+            <a:schemeClr val="accent1"/>
+          </a:fillRef>
+          <a:effectRef idx="0">
+            <a:schemeClr val="accent1"/>
+          </a:effectRef>
+          <a:fontRef idx="minor">
+            <a:schemeClr val="lt1"/>
+          </a:fontRef>
+        </p:style>
+        <p:txBody>
+          <a:bodyPr rtlCol="0" anchor="t"/>
+          <a:lstStyle/>
+          <a:p>
+            <a:r>
+              <a:rPr lang="en-GB" dirty="0">
+                <a:solidFill>
+                  <a:schemeClr val="tx1"/>
+                </a:solidFill>
+              </a:rPr>
+              <a:t>Azure Cloud</a:t>
+            </a:r>
+            <a:endParaRPr lang="en-IN" dirty="0">
+              <a:solidFill>
+                <a:schemeClr val="tx1"/>
+              </a:solidFill>
+            </a:endParaRPr>
+          </a:p>
+        </p:txBody>
+      </p:sp>
+      <p:sp>
+        <p:nvSpPr>
+          <p:cNvPr id="10" name="Rectangle: Top Corners Rounded 9">
+            <a:extLst>
+              <a:ext uri="{FF2B5EF4-FFF2-40B4-BE49-F238E27FC236}">
+                <a16:creationId xmlns:a16="http://schemas.microsoft.com/office/drawing/2014/main" id="{6F270D3F-7343-C141-B431-6844A840A13F}"/>
+              </a:ext>
+            </a:extLst>
+          </p:cNvPr>
+          <p:cNvSpPr/>
+          <p:nvPr/>
+        </p:nvSpPr>
+        <p:spPr>
+          <a:xfrm>
+            <a:off x="5369709" y="2490778"/>
+            <a:ext cx="5603082" cy="2883373"/>
+          </a:xfrm>
+          <a:prstGeom prst="round2SameRect">
+            <a:avLst/>
+          </a:prstGeom>
+          <a:solidFill>
+            <a:schemeClr val="bg1"/>
+          </a:solidFill>
+          <a:ln>
+            <a:solidFill>
+              <a:schemeClr val="accent4">
+                <a:lumMod val="75000"/>
+              </a:schemeClr>
+            </a:solidFill>
+          </a:ln>
+          <a:effectLst>
+            <a:outerShdw blurRad="50800" dist="38100" dir="5400000" algn="t" rotWithShape="0">
+              <a:prstClr val="black">
+                <a:alpha val="40000"/>
+              </a:prstClr>
+            </a:outerShdw>
+          </a:effectLst>
+        </p:spPr>
+        <p:style>
+          <a:lnRef idx="2">
+            <a:schemeClr val="accent1">
+              <a:shade val="50000"/>
+            </a:schemeClr>
+          </a:lnRef>
+          <a:fillRef idx="1">
+            <a:schemeClr val="accent1"/>
+          </a:fillRef>
+          <a:effectRef idx="0">
+            <a:schemeClr val="accent1"/>
+          </a:effectRef>
+          <a:fontRef idx="minor">
+            <a:schemeClr val="lt1"/>
+          </a:fontRef>
+        </p:style>
+        <p:txBody>
+          <a:bodyPr rtlCol="0" anchor="b"/>
+          <a:lstStyle/>
+          <a:p>
+            <a:pPr algn="r"/>
+            <a:r>
+              <a:rPr lang="en-GB" dirty="0">
+                <a:solidFill>
+                  <a:schemeClr val="tx1"/>
+                </a:solidFill>
+              </a:rPr>
+              <a:t>Docker</a:t>
+            </a:r>
+            <a:endParaRPr lang="en-IN" dirty="0">
+              <a:solidFill>
+                <a:schemeClr val="tx1"/>
+              </a:solidFill>
+            </a:endParaRPr>
+          </a:p>
+        </p:txBody>
+      </p:sp>
+      <p:sp>
+        <p:nvSpPr>
+          <p:cNvPr id="8" name="Content Placeholder 7">
+            <a:extLst>
+              <a:ext uri="{FF2B5EF4-FFF2-40B4-BE49-F238E27FC236}">
+                <a16:creationId xmlns:a16="http://schemas.microsoft.com/office/drawing/2014/main" id="{49D9C47F-9B07-8F2B-6740-C514461C25E1}"/>
+              </a:ext>
+            </a:extLst>
+          </p:cNvPr>
+          <p:cNvSpPr>
+            <a:spLocks noGrp="1"/>
+          </p:cNvSpPr>
+          <p:nvPr>
+            <p:ph idx="1"/>
+          </p:nvPr>
+        </p:nvSpPr>
+        <p:spPr>
+          <a:xfrm>
+            <a:off x="280416" y="794183"/>
+            <a:ext cx="4470572" cy="5889645"/>
+          </a:xfrm>
+        </p:spPr>
+        <p:txBody>
+          <a:bodyPr>
+            <a:noAutofit/>
+          </a:bodyPr>
+          <a:lstStyle/>
+          <a:p>
+            <a:pPr marL="0" indent="0">
+              <a:buNone/>
+            </a:pPr>
+            <a:r>
+              <a:rPr lang="en-IN" sz="2000" b="1" dirty="0"/>
+              <a:t>Tech Stack</a:t>
+            </a:r>
+          </a:p>
+          <a:p>
+            <a:pPr lvl="1">
+              <a:spcBef>
+                <a:spcPts val="1200"/>
+              </a:spcBef>
+            </a:pPr>
+            <a:r>
+              <a:rPr lang="en-IN" sz="1800" dirty="0"/>
+              <a:t>Python</a:t>
+            </a:r>
+          </a:p>
+          <a:p>
+            <a:pPr lvl="1">
+              <a:spcBef>
+                <a:spcPts val="1200"/>
+              </a:spcBef>
+            </a:pPr>
+            <a:r>
+              <a:rPr lang="en-IN" sz="1800" dirty="0"/>
+              <a:t> Flask</a:t>
+            </a:r>
+          </a:p>
+          <a:p>
+            <a:pPr lvl="1">
+              <a:spcBef>
+                <a:spcPts val="1200"/>
+              </a:spcBef>
+            </a:pPr>
+            <a:r>
+              <a:rPr lang="en-IN" sz="1800" dirty="0"/>
+              <a:t> Scikit Learn</a:t>
+            </a:r>
+          </a:p>
+          <a:p>
+            <a:pPr lvl="1">
+              <a:spcBef>
+                <a:spcPts val="1200"/>
+              </a:spcBef>
+            </a:pPr>
+            <a:r>
+              <a:rPr lang="en-IN" sz="1800" dirty="0"/>
+              <a:t> React JS</a:t>
+            </a:r>
+          </a:p>
+          <a:p>
+            <a:pPr lvl="1">
+              <a:spcBef>
+                <a:spcPts val="1200"/>
+              </a:spcBef>
+            </a:pPr>
+            <a:r>
+              <a:rPr lang="en-IN" sz="1800" dirty="0"/>
+              <a:t> AG GRID</a:t>
+            </a:r>
+          </a:p>
+          <a:p>
+            <a:pPr lvl="1">
+              <a:spcBef>
+                <a:spcPts val="1200"/>
+              </a:spcBef>
+            </a:pPr>
+            <a:r>
+              <a:rPr lang="en-IN" sz="1800" dirty="0"/>
+              <a:t>Docker</a:t>
+            </a:r>
+          </a:p>
+          <a:p>
+            <a:pPr lvl="1">
+              <a:spcBef>
+                <a:spcPts val="1200"/>
+              </a:spcBef>
+            </a:pPr>
+            <a:r>
+              <a:rPr lang="en-IN" sz="1800" dirty="0"/>
+              <a:t>Git</a:t>
+            </a:r>
+          </a:p>
+          <a:p>
+            <a:pPr lvl="1">
+              <a:spcBef>
+                <a:spcPts val="1200"/>
+              </a:spcBef>
+            </a:pPr>
+            <a:r>
+              <a:rPr lang="en-IN" sz="1800" dirty="0"/>
+              <a:t>Azure Cloud</a:t>
+            </a:r>
+          </a:p>
+          <a:p>
+            <a:pPr marL="0" indent="0">
+              <a:buNone/>
+            </a:pPr>
+            <a:endParaRPr lang="en-IN" sz="1800" dirty="0"/>
+          </a:p>
+          <a:p>
+            <a:pPr marL="457200" lvl="1" indent="0">
+              <a:buNone/>
+            </a:pPr>
+            <a:endParaRPr lang="en-IN" sz="1400" dirty="0"/>
+          </a:p>
+          <a:p>
+            <a:pPr marL="457200" lvl="1" indent="0">
+              <a:buNone/>
+            </a:pPr>
+            <a:endParaRPr lang="en-IN" sz="1400" dirty="0"/>
+          </a:p>
+          <a:p>
+            <a:pPr marL="914400" lvl="1" indent="-457200">
+              <a:buAutoNum type="arabicPeriod"/>
+            </a:pPr>
+            <a:endParaRPr lang="en-IN" sz="1400" dirty="0"/>
+          </a:p>
+          <a:p>
+            <a:pPr marL="914400" lvl="1" indent="-457200">
+              <a:buAutoNum type="arabicPeriod"/>
+            </a:pPr>
+            <a:endParaRPr lang="en-IN" sz="1400" dirty="0"/>
+          </a:p>
+          <a:p>
+            <a:endParaRPr lang="en-IN" sz="1400" dirty="0"/>
+          </a:p>
+          <a:p>
+            <a:pPr marL="0" indent="0">
+              <a:buNone/>
+            </a:pPr>
+            <a:endParaRPr lang="en-IN" sz="1400" dirty="0"/>
+          </a:p>
+          <a:p>
+            <a:endParaRPr lang="en-IN" sz="1400" dirty="0"/>
+          </a:p>
+          <a:p>
+            <a:endParaRPr lang="en-IN" sz="1400" dirty="0"/>
+          </a:p>
+        </p:txBody>
+      </p:sp>
+      <p:sp>
+        <p:nvSpPr>
+          <p:cNvPr id="2" name="Rectangle: Rounded Corners 1">
+            <a:extLst>
+              <a:ext uri="{FF2B5EF4-FFF2-40B4-BE49-F238E27FC236}">
+                <a16:creationId xmlns:a16="http://schemas.microsoft.com/office/drawing/2014/main" id="{045C0D01-BFD6-3487-3A7A-0D66A10D9DD2}"/>
+              </a:ext>
+            </a:extLst>
+          </p:cNvPr>
+          <p:cNvSpPr/>
+          <p:nvPr/>
+        </p:nvSpPr>
+        <p:spPr>
+          <a:xfrm>
+            <a:off x="5848005" y="631156"/>
+            <a:ext cx="1968053" cy="689348"/>
           </a:xfrm>
           <a:prstGeom prst="roundRect">
             <a:avLst/>
@@ -5333,8 +6181,8 @@
         </p:nvSpPr>
         <p:spPr>
           <a:xfrm>
-            <a:off x="822960" y="4194048"/>
-            <a:ext cx="6757416" cy="984503"/>
+            <a:off x="5761580" y="2826663"/>
+            <a:ext cx="4800600" cy="2247101"/>
           </a:xfrm>
           <a:prstGeom prst="roundRect">
             <a:avLst/>
@@ -5374,14 +6222,14 @@
           <a:p>
             <a:pPr algn="ctr"/>
             <a:r>
-              <a:rPr lang="en-GB" sz="1600" dirty="0">
+              <a:rPr lang="en-GB" b="1" dirty="0">
                 <a:solidFill>
                   <a:schemeClr val="bg1"/>
                 </a:solidFill>
               </a:rPr>
               <a:t>GRAPPHITE Engine</a:t>
             </a:r>
-            <a:endParaRPr lang="en-IN" sz="1600" dirty="0">
+            <a:endParaRPr lang="en-IN" b="1" dirty="0">
               <a:solidFill>
                 <a:schemeClr val="bg1"/>
               </a:solidFill>
@@ -5403,8 +6251,8 @@
         </p:nvSpPr>
         <p:spPr>
           <a:xfrm>
-            <a:off x="3886200" y="3732276"/>
-            <a:ext cx="246888" cy="448056"/>
+            <a:off x="6470993" y="1308220"/>
+            <a:ext cx="648107" cy="1518356"/>
           </a:xfrm>
           <a:prstGeom prst="downArrow">
             <a:avLst/>
@@ -5454,7 +6302,7 @@
         </p:nvSpPr>
         <p:spPr>
           <a:xfrm>
-            <a:off x="2852928" y="3723133"/>
+            <a:off x="5498817" y="1501746"/>
             <a:ext cx="1152144" cy="307777"/>
           </a:xfrm>
           <a:prstGeom prst="rect">
@@ -5469,10 +6317,22 @@
           <a:lstStyle/>
           <a:p>
             <a:r>
-              <a:rPr lang="en-GB" sz="1400" dirty="0"/>
+              <a:rPr lang="en-GB" sz="1400" b="1" dirty="0">
+                <a:solidFill>
+                  <a:schemeClr val="accent2">
+                    <a:lumMod val="75000"/>
+                  </a:schemeClr>
+                </a:solidFill>
+              </a:rPr>
               <a:t>Market Data</a:t>
             </a:r>
-            <a:endParaRPr lang="en-IN" sz="1400" dirty="0"/>
+            <a:endParaRPr lang="en-IN" sz="1400" b="1" dirty="0">
+              <a:solidFill>
+                <a:schemeClr val="accent2">
+                  <a:lumMod val="75000"/>
+                </a:schemeClr>
+              </a:solidFill>
+            </a:endParaRPr>
           </a:p>
         </p:txBody>
       </p:sp>
@@ -5490,8 +6350,8 @@
         </p:nvSpPr>
         <p:spPr>
           <a:xfrm>
-            <a:off x="8979408" y="4394072"/>
-            <a:ext cx="1389888" cy="493014"/>
+            <a:off x="8776239" y="626917"/>
+            <a:ext cx="1652719" cy="684159"/>
           </a:xfrm>
           <a:prstGeom prst="roundRect">
             <a:avLst/>
@@ -5555,8 +6415,8 @@
         </p:nvSpPr>
         <p:spPr>
           <a:xfrm>
-            <a:off x="3063240" y="5577840"/>
-            <a:ext cx="1938528" cy="612648"/>
+            <a:off x="6993296" y="6073394"/>
+            <a:ext cx="2475859" cy="612648"/>
           </a:xfrm>
           <a:prstGeom prst="roundRect">
             <a:avLst/>
@@ -5620,8 +6480,8 @@
         </p:nvSpPr>
         <p:spPr>
           <a:xfrm>
-            <a:off x="3922776" y="5157216"/>
-            <a:ext cx="219456" cy="411480"/>
+            <a:off x="7960714" y="5073764"/>
+            <a:ext cx="541024" cy="1005849"/>
           </a:xfrm>
           <a:prstGeom prst="upDownArrow">
             <a:avLst/>
@@ -5659,10 +6519,10 @@
       </p:sp>
       <p:sp>
         <p:nvSpPr>
-          <p:cNvPr id="10" name="Arrow: Left 9">
-            <a:extLst>
-              <a:ext uri="{FF2B5EF4-FFF2-40B4-BE49-F238E27FC236}">
-                <a16:creationId xmlns:a16="http://schemas.microsoft.com/office/drawing/2014/main" id="{63F18A3A-1398-5769-B7AC-C2A688CF873F}"/>
+          <p:cNvPr id="11" name="Rectangle: Diagonal Corners Rounded 10">
+            <a:extLst>
+              <a:ext uri="{FF2B5EF4-FFF2-40B4-BE49-F238E27FC236}">
+                <a16:creationId xmlns:a16="http://schemas.microsoft.com/office/drawing/2014/main" id="{D14666A7-EE17-99C3-F8E7-42099C2BC8BD}"/>
               </a:ext>
             </a:extLst>
           </p:cNvPr>
@@ -5671,58 +6531,7 @@
         </p:nvSpPr>
         <p:spPr>
           <a:xfrm>
-            <a:off x="7580376" y="4535422"/>
-            <a:ext cx="1389888" cy="228601"/>
-          </a:xfrm>
-          <a:prstGeom prst="leftArrow">
-            <a:avLst/>
-          </a:prstGeom>
-          <a:solidFill>
-            <a:schemeClr val="accent4">
-              <a:lumMod val="75000"/>
-            </a:schemeClr>
-          </a:solidFill>
-        </p:spPr>
-        <p:style>
-          <a:lnRef idx="2">
-            <a:schemeClr val="accent1">
-              <a:shade val="50000"/>
-            </a:schemeClr>
-          </a:lnRef>
-          <a:fillRef idx="1">
-            <a:schemeClr val="accent1"/>
-          </a:fillRef>
-          <a:effectRef idx="0">
-            <a:schemeClr val="accent1"/>
-          </a:effectRef>
-          <a:fontRef idx="minor">
-            <a:schemeClr val="lt1"/>
-          </a:fontRef>
-        </p:style>
-        <p:txBody>
-          <a:bodyPr rtlCol="0" anchor="ctr"/>
-          <a:lstStyle/>
-          <a:p>
-            <a:pPr algn="ctr"/>
-            <a:endParaRPr lang="en-IN"/>
-          </a:p>
-        </p:txBody>
-      </p:sp>
-      <p:sp>
-        <p:nvSpPr>
-          <p:cNvPr id="11" name="Rectangle: Diagonal Corners Rounded 10">
-            <a:extLst>
-              <a:ext uri="{FF2B5EF4-FFF2-40B4-BE49-F238E27FC236}">
-                <a16:creationId xmlns:a16="http://schemas.microsoft.com/office/drawing/2014/main" id="{D14666A7-EE17-99C3-F8E7-42099C2BC8BD}"/>
-              </a:ext>
-            </a:extLst>
-          </p:cNvPr>
-          <p:cNvSpPr/>
-          <p:nvPr/>
-        </p:nvSpPr>
-        <p:spPr>
-          <a:xfrm>
-            <a:off x="1088136" y="4535422"/>
+            <a:off x="6297610" y="3330516"/>
             <a:ext cx="1938528" cy="502922"/>
           </a:xfrm>
           <a:prstGeom prst="round2DiagRect">
@@ -5786,7 +6595,7 @@
         </p:nvSpPr>
         <p:spPr>
           <a:xfrm>
-            <a:off x="3232404" y="4541518"/>
+            <a:off x="8422078" y="3324238"/>
             <a:ext cx="1938528" cy="502922"/>
           </a:xfrm>
           <a:prstGeom prst="round2DiagRect">
@@ -5850,7 +6659,7 @@
         </p:nvSpPr>
         <p:spPr>
           <a:xfrm>
-            <a:off x="5385816" y="4535422"/>
+            <a:off x="7449755" y="4089626"/>
             <a:ext cx="1938528" cy="502922"/>
           </a:xfrm>
           <a:prstGeom prst="round2DiagRect">
@@ -5914,7 +6723,7 @@
         </p:nvSpPr>
         <p:spPr>
           <a:xfrm>
-            <a:off x="7784592" y="4849439"/>
+            <a:off x="9803487" y="1426170"/>
             <a:ext cx="1152144" cy="307777"/>
           </a:xfrm>
           <a:prstGeom prst="rect">
@@ -5929,10 +6738,22 @@
           <a:lstStyle/>
           <a:p>
             <a:r>
-              <a:rPr lang="en-GB" sz="1400" dirty="0"/>
+              <a:rPr lang="en-GB" sz="1400" b="1" dirty="0">
+                <a:solidFill>
+                  <a:schemeClr val="accent2">
+                    <a:lumMod val="75000"/>
+                  </a:schemeClr>
+                </a:solidFill>
+              </a:rPr>
               <a:t>Impact Data</a:t>
             </a:r>
-            <a:endParaRPr lang="en-IN" sz="1400" dirty="0"/>
+            <a:endParaRPr lang="en-IN" sz="1400" b="1" dirty="0">
+              <a:solidFill>
+                <a:schemeClr val="accent2">
+                  <a:lumMod val="75000"/>
+                </a:schemeClr>
+              </a:solidFill>
+            </a:endParaRPr>
           </a:p>
         </p:txBody>
       </p:sp>
@@ -5950,7 +6771,7 @@
         </p:nvSpPr>
         <p:spPr>
           <a:xfrm>
-            <a:off x="4325112" y="5238021"/>
+            <a:off x="6426501" y="5599062"/>
             <a:ext cx="1481328" cy="307777"/>
           </a:xfrm>
           <a:prstGeom prst="rect">
@@ -5965,117 +6786,82 @@
           <a:lstStyle/>
           <a:p>
             <a:r>
-              <a:rPr lang="en-GB" sz="1400" dirty="0"/>
+              <a:rPr lang="en-GB" sz="1400" b="1" dirty="0">
+                <a:solidFill>
+                  <a:schemeClr val="accent2">
+                    <a:lumMod val="75000"/>
+                  </a:schemeClr>
+                </a:solidFill>
+              </a:rPr>
               <a:t>Portfolio Events</a:t>
             </a:r>
-            <a:endParaRPr lang="en-IN" sz="1400" dirty="0"/>
-          </a:p>
-        </p:txBody>
-      </p:sp>
-    </p:spTree>
-    <p:extLst>
-      <p:ext uri="{BB962C8B-B14F-4D97-AF65-F5344CB8AC3E}">
-        <p14:creationId xmlns:p14="http://schemas.microsoft.com/office/powerpoint/2010/main" val="591691343"/>
-      </p:ext>
-    </p:extLst>
-  </p:cSld>
-  <p:clrMapOvr>
-    <a:masterClrMapping/>
-  </p:clrMapOvr>
-</p:sld>
-</file>
-
-<file path=ppt/slides/slide5.xml><?xml version="1.0" encoding="utf-8"?>
-<p:sld xmlns:a="http://schemas.openxmlformats.org/drawingml/2006/main" xmlns:r="http://schemas.openxmlformats.org/officeDocument/2006/relationships" xmlns:p="http://schemas.openxmlformats.org/presentationml/2006/main">
-  <p:cSld>
-    <p:spTree>
-      <p:nvGrpSpPr>
-        <p:cNvPr id="1" name=""/>
-        <p:cNvGrpSpPr/>
-        <p:nvPr/>
-      </p:nvGrpSpPr>
-      <p:grpSpPr>
-        <a:xfrm>
-          <a:off x="0" y="0"/>
-          <a:ext cx="0" cy="0"/>
-          <a:chOff x="0" y="0"/>
-          <a:chExt cx="0" cy="0"/>
-        </a:xfrm>
-      </p:grpSpPr>
-      <p:sp>
-        <p:nvSpPr>
-          <p:cNvPr id="8" name="Content Placeholder 7">
-            <a:extLst>
-              <a:ext uri="{FF2B5EF4-FFF2-40B4-BE49-F238E27FC236}">
-                <a16:creationId xmlns:a16="http://schemas.microsoft.com/office/drawing/2014/main" id="{49D9C47F-9B07-8F2B-6740-C514461C25E1}"/>
-              </a:ext>
-            </a:extLst>
-          </p:cNvPr>
-          <p:cNvSpPr>
-            <a:spLocks noGrp="1"/>
-          </p:cNvSpPr>
-          <p:nvPr>
-            <p:ph idx="1"/>
-          </p:nvPr>
+            <a:endParaRPr lang="en-IN" sz="1400" b="1" dirty="0">
+              <a:solidFill>
+                <a:schemeClr val="accent2">
+                  <a:lumMod val="75000"/>
+                </a:schemeClr>
+              </a:solidFill>
+            </a:endParaRPr>
+          </a:p>
+        </p:txBody>
+      </p:sp>
+      <p:sp>
+        <p:nvSpPr>
+          <p:cNvPr id="17" name="Arrow: Down 16">
+            <a:extLst>
+              <a:ext uri="{FF2B5EF4-FFF2-40B4-BE49-F238E27FC236}">
+                <a16:creationId xmlns:a16="http://schemas.microsoft.com/office/drawing/2014/main" id="{6674A5C9-DACB-CAB0-6F19-EA67CF30120B}"/>
+              </a:ext>
+            </a:extLst>
+          </p:cNvPr>
+          <p:cNvSpPr/>
+          <p:nvPr/>
         </p:nvSpPr>
         <p:spPr>
           <a:xfrm>
-            <a:off x="838200" y="233680"/>
-            <a:ext cx="10515600" cy="5943283"/>
+            <a:off x="9333854" y="1279672"/>
+            <a:ext cx="541103" cy="1518244"/>
           </a:xfrm>
+          <a:prstGeom prst="downArrow">
+            <a:avLst/>
+          </a:prstGeom>
+          <a:solidFill>
+            <a:schemeClr val="accent4">
+              <a:lumMod val="75000"/>
+            </a:schemeClr>
+          </a:solidFill>
         </p:spPr>
-        <p:txBody>
-          <a:bodyPr>
-            <a:noAutofit/>
-          </a:bodyPr>
-          <a:lstStyle/>
-          <a:p>
-            <a:pPr marL="457200" lvl="1" indent="0">
-              <a:buNone/>
-            </a:pPr>
-            <a:endParaRPr lang="en-IN" sz="1400" dirty="0"/>
-          </a:p>
-          <a:p>
-            <a:pPr marL="457200" lvl="1" indent="0">
-              <a:buNone/>
-            </a:pPr>
-            <a:endParaRPr lang="en-IN" sz="1400" dirty="0"/>
-          </a:p>
-          <a:p>
-            <a:pPr marL="914400" lvl="1" indent="-457200">
-              <a:buAutoNum type="arabicPeriod"/>
-            </a:pPr>
-            <a:endParaRPr lang="en-IN" sz="1400" dirty="0"/>
-          </a:p>
-          <a:p>
-            <a:pPr marL="914400" lvl="1" indent="-457200">
-              <a:buAutoNum type="arabicPeriod"/>
-            </a:pPr>
-            <a:endParaRPr lang="en-IN" sz="1400" dirty="0"/>
-          </a:p>
-          <a:p>
-            <a:endParaRPr lang="en-IN" sz="1400" dirty="0"/>
-          </a:p>
-          <a:p>
-            <a:pPr marL="0" indent="0">
-              <a:buNone/>
-            </a:pPr>
-            <a:endParaRPr lang="en-IN" sz="1400" dirty="0"/>
-          </a:p>
-          <a:p>
-            <a:endParaRPr lang="en-IN" sz="1400" dirty="0"/>
-          </a:p>
-          <a:p>
-            <a:endParaRPr lang="en-IN" sz="1400" dirty="0"/>
-          </a:p>
-        </p:txBody>
-      </p:sp>
-      <p:sp>
-        <p:nvSpPr>
-          <p:cNvPr id="3" name="TextBox 2">
-            <a:extLst>
-              <a:ext uri="{FF2B5EF4-FFF2-40B4-BE49-F238E27FC236}">
-                <a16:creationId xmlns:a16="http://schemas.microsoft.com/office/drawing/2014/main" id="{E4E27499-090A-CA7A-69D4-81F8E15C60A9}"/>
+        <p:style>
+          <a:lnRef idx="2">
+            <a:schemeClr val="accent1">
+              <a:shade val="50000"/>
+            </a:schemeClr>
+          </a:lnRef>
+          <a:fillRef idx="1">
+            <a:schemeClr val="accent1"/>
+          </a:fillRef>
+          <a:effectRef idx="0">
+            <a:schemeClr val="accent1"/>
+          </a:effectRef>
+          <a:fontRef idx="minor">
+            <a:schemeClr val="lt1"/>
+          </a:fontRef>
+        </p:style>
+        <p:txBody>
+          <a:bodyPr rtlCol="0" anchor="ctr"/>
+          <a:lstStyle/>
+          <a:p>
+            <a:pPr algn="ctr"/>
+            <a:endParaRPr lang="en-IN"/>
+          </a:p>
+        </p:txBody>
+      </p:sp>
+      <p:sp>
+        <p:nvSpPr>
+          <p:cNvPr id="18" name="TextBox 17">
+            <a:extLst>
+              <a:ext uri="{FF2B5EF4-FFF2-40B4-BE49-F238E27FC236}">
+                <a16:creationId xmlns:a16="http://schemas.microsoft.com/office/drawing/2014/main" id="{993100CE-4988-CC7E-C09A-B8CF7421C855}"/>
               </a:ext>
             </a:extLst>
           </p:cNvPr>
@@ -6084,8 +6870,8 @@
         </p:nvSpPr>
         <p:spPr>
           <a:xfrm>
-            <a:off x="1020119" y="796778"/>
-            <a:ext cx="6094878" cy="2677656"/>
+            <a:off x="2415999" y="-14576"/>
+            <a:ext cx="5033756" cy="523220"/>
           </a:xfrm>
           <a:prstGeom prst="rect">
             <a:avLst/>
@@ -6093,107 +6879,31 @@
           <a:noFill/>
         </p:spPr>
         <p:txBody>
-          <a:bodyPr wrap="square">
+          <a:bodyPr wrap="square" rtlCol="0">
             <a:spAutoFit/>
           </a:bodyPr>
           <a:lstStyle/>
           <a:p>
             <a:r>
-              <a:rPr lang="en-IN" sz="1400" dirty="0"/>
-              <a:t>Assumptions</a:t>
-            </a:r>
-          </a:p>
-          <a:p>
-            <a:pPr lvl="1"/>
-            <a:r>
-              <a:rPr lang="en-IN" sz="1400" dirty="0"/>
-              <a:t>We are only considering adding new tickers to portfolio</a:t>
-            </a:r>
-          </a:p>
-          <a:p>
-            <a:pPr lvl="1"/>
-            <a:r>
-              <a:rPr lang="en-IN" sz="1400" dirty="0"/>
-              <a:t>We are calculating climate impact on domicile basis</a:t>
-            </a:r>
-          </a:p>
-          <a:p>
-            <a:pPr lvl="1"/>
-            <a:r>
-              <a:rPr lang="en-IN" sz="1400" dirty="0"/>
-              <a:t>We are using closing prices for all calculations</a:t>
-            </a:r>
-          </a:p>
-          <a:p>
-            <a:pPr marL="457200" lvl="1" indent="0">
-              <a:buNone/>
-            </a:pPr>
-            <a:endParaRPr lang="en-IN" sz="1400" dirty="0"/>
-          </a:p>
-          <a:p>
-            <a:pPr marL="457200" lvl="1" indent="0">
-              <a:buNone/>
-            </a:pPr>
-            <a:r>
-              <a:rPr lang="en-IN" sz="1400" dirty="0"/>
-              <a:t>Tech Stack</a:t>
-            </a:r>
-          </a:p>
-          <a:p>
-            <a:pPr lvl="1"/>
-            <a:r>
-              <a:rPr lang="en-IN" sz="1400" dirty="0"/>
-              <a:t>Python, Flask, Scikit Learn, React JS, AG GRID, Docker, Git, Azure Cloud</a:t>
-            </a:r>
-          </a:p>
-          <a:p>
-            <a:pPr marL="457200" lvl="1" indent="0">
-              <a:buNone/>
-            </a:pPr>
-            <a:endParaRPr lang="en-IN" sz="1400" dirty="0"/>
-          </a:p>
-          <a:p>
-            <a:pPr marL="457200" lvl="1" indent="0">
-              <a:buNone/>
-            </a:pPr>
-            <a:r>
-              <a:rPr lang="en-IN" sz="1400" dirty="0"/>
-              <a:t>Challenges</a:t>
-            </a:r>
-          </a:p>
-          <a:p>
-            <a:pPr marL="457200" lvl="1" indent="0">
-              <a:buNone/>
-            </a:pPr>
-            <a:r>
-              <a:rPr lang="en-IN" sz="1400" dirty="0"/>
-              <a:t>CLIMADA Integration</a:t>
-            </a:r>
-          </a:p>
-          <a:p>
-            <a:pPr marL="457200" lvl="1" indent="0">
-              <a:buNone/>
-            </a:pPr>
-            <a:r>
-              <a:rPr lang="en-IN" sz="1400" dirty="0"/>
-              <a:t>Lack of open source data on ESG</a:t>
-            </a:r>
-          </a:p>
-          <a:p>
-            <a:pPr marL="457200" lvl="1" indent="0">
-              <a:buNone/>
-            </a:pPr>
-            <a:r>
-              <a:rPr lang="en-IN" sz="1400" dirty="0"/>
-              <a:t>Steep domain learning curve </a:t>
-            </a:r>
+              <a:rPr lang="en-GB" sz="2800" b="1" dirty="0">
+                <a:solidFill>
+                  <a:srgbClr val="0070C0"/>
+                </a:solidFill>
+              </a:rPr>
+              <a:t>GRAPPHITE Engine – Design</a:t>
+            </a:r>
+            <a:endParaRPr lang="en-IN" sz="2800" b="1" dirty="0">
+              <a:solidFill>
+                <a:srgbClr val="0070C0"/>
+              </a:solidFill>
+            </a:endParaRPr>
           </a:p>
         </p:txBody>
       </p:sp>
     </p:spTree>
     <p:extLst>
       <p:ext uri="{BB962C8B-B14F-4D97-AF65-F5344CB8AC3E}">
-        <p14:creationId xmlns:p14="http://schemas.microsoft.com/office/powerpoint/2010/main" val="1771786516"/>
+        <p14:creationId xmlns:p14="http://schemas.microsoft.com/office/powerpoint/2010/main" val="448816825"/>
       </p:ext>
     </p:extLst>
   </p:cSld>

--- a/EsgPrez.pptx
+++ b/EsgPrez.pptx
@@ -25277,7 +25277,7 @@
         <p:spPr>
           <a:xfrm>
             <a:off x="277981" y="1188886"/>
-            <a:ext cx="6509226" cy="523220"/>
+            <a:ext cx="6509226" cy="954107"/>
           </a:xfrm>
           <a:prstGeom prst="rect">
             <a:avLst/>
@@ -25296,7 +25296,7 @@
                   <a:srgbClr val="0070C0"/>
                 </a:solidFill>
               </a:rPr>
-              <a:t>GRAPPHTE</a:t>
+              <a:t>GRAPPHITE</a:t>
             </a:r>
             <a:r>
               <a:rPr lang="en-GB" sz="2400" dirty="0"/>
@@ -27594,7 +27594,7 @@
             </a:pPr>
             <a:r>
               <a:rPr lang="en-IN" sz="2000" dirty="0"/>
-              <a:t> On Azure Cloud-Scale Up/</a:t>
+              <a:t> Azure Cloud-Scale Up/</a:t>
             </a:r>
             <a:r>
               <a:rPr lang="en-GB" sz="2000" dirty="0"/>
@@ -28346,7 +28346,7 @@
         </p:nvSpPr>
         <p:spPr>
           <a:xfrm>
-            <a:off x="2415999" y="10633"/>
+            <a:off x="3221542" y="0"/>
             <a:ext cx="5033756" cy="523220"/>
           </a:xfrm>
           <a:prstGeom prst="rect">
